--- a/PPTs/Perl_file_handling.pptx
+++ b/PPTs/Perl_file_handling.pptx
@@ -8,6 +8,26 @@
     <p:sldId id="256" r:id="rId2"/>
     <p:sldId id="258" r:id="rId3"/>
     <p:sldId id="259" r:id="rId4"/>
+    <p:sldId id="260" r:id="rId5"/>
+    <p:sldId id="261" r:id="rId6"/>
+    <p:sldId id="262" r:id="rId7"/>
+    <p:sldId id="263" r:id="rId8"/>
+    <p:sldId id="264" r:id="rId9"/>
+    <p:sldId id="265" r:id="rId10"/>
+    <p:sldId id="269" r:id="rId11"/>
+    <p:sldId id="266" r:id="rId12"/>
+    <p:sldId id="270" r:id="rId13"/>
+    <p:sldId id="267" r:id="rId14"/>
+    <p:sldId id="268" r:id="rId15"/>
+    <p:sldId id="271" r:id="rId16"/>
+    <p:sldId id="272" r:id="rId17"/>
+    <p:sldId id="273" r:id="rId18"/>
+    <p:sldId id="274" r:id="rId19"/>
+    <p:sldId id="275" r:id="rId20"/>
+    <p:sldId id="276" r:id="rId21"/>
+    <p:sldId id="279" r:id="rId22"/>
+    <p:sldId id="277" r:id="rId23"/>
+    <p:sldId id="278" r:id="rId24"/>
   </p:sldIdLst>
   <p:sldSz cx="9144000" cy="5143500" type="screen16x9"/>
   <p:notesSz cx="6858000" cy="9144000"/>
@@ -298,7 +318,7 @@
             <a:fld id="{C8A432C8-69A7-458B-9684-2BFA64B31948}" type="datetime2">
               <a:rPr lang="en-US" smtClean="0"/>
               <a:pPr/>
-              <a:t>Tuesday, May 30, 2017</a:t>
+              <a:t>Wednesday, May 31, 2017</a:t>
             </a:fld>
             <a:endParaRPr lang="en-US"/>
           </a:p>
@@ -501,7 +521,7 @@
             <a:fld id="{8CC057FC-95B6-4D89-AFDA-ABA33EE921E5}" type="datetime2">
               <a:rPr lang="en-US" smtClean="0"/>
               <a:pPr/>
-              <a:t>Tuesday, May 30, 2017</a:t>
+              <a:t>Wednesday, May 31, 2017</a:t>
             </a:fld>
             <a:endParaRPr lang="en-US"/>
           </a:p>
@@ -679,7 +699,7 @@
             <a:fld id="{EC4549AC-EB31-477F-92A9-B1988E232878}" type="datetime2">
               <a:rPr lang="en-US" smtClean="0"/>
               <a:pPr/>
-              <a:t>Tuesday, May 30, 2017</a:t>
+              <a:t>Wednesday, May 31, 2017</a:t>
             </a:fld>
             <a:endParaRPr lang="en-US"/>
           </a:p>
@@ -847,7 +867,7 @@
             <a:fld id="{6396A3A3-94A6-4E5B-AF39-173ACA3E61CC}" type="datetime2">
               <a:rPr lang="en-US" smtClean="0"/>
               <a:pPr/>
-              <a:t>Tuesday, May 30, 2017</a:t>
+              <a:t>Wednesday, May 31, 2017</a:t>
             </a:fld>
             <a:endParaRPr lang="en-US"/>
           </a:p>
@@ -1098,7 +1118,7 @@
             <a:fld id="{9933D019-A32C-4EAD-B8E6-DBDA699692FD}" type="datetime2">
               <a:rPr lang="en-US" smtClean="0"/>
               <a:pPr/>
-              <a:t>Tuesday, May 30, 2017</a:t>
+              <a:t>Wednesday, May 31, 2017</a:t>
             </a:fld>
             <a:endParaRPr lang="en-US"/>
           </a:p>
@@ -1419,7 +1439,7 @@
             <a:fld id="{CCEBA98F-560C-4997-81C4-81D4D9187EAB}" type="datetime2">
               <a:rPr lang="en-US" smtClean="0"/>
               <a:pPr/>
-              <a:t>Tuesday, May 30, 2017</a:t>
+              <a:t>Wednesday, May 31, 2017</a:t>
             </a:fld>
             <a:endParaRPr lang="en-US"/>
           </a:p>
@@ -1888,7 +1908,7 @@
             <a:fld id="{150972B2-CA5C-437D-87D0-8081271A9E4B}" type="datetime2">
               <a:rPr lang="en-US" smtClean="0"/>
               <a:pPr/>
-              <a:t>Tuesday, May 30, 2017</a:t>
+              <a:t>Wednesday, May 31, 2017</a:t>
             </a:fld>
             <a:endParaRPr lang="en-US"/>
           </a:p>
@@ -2039,7 +2059,7 @@
             <a:fld id="{79CD4847-11EF-4466-A8AD-85CDB7B49118}" type="datetime2">
               <a:rPr lang="en-US" smtClean="0"/>
               <a:pPr/>
-              <a:t>Tuesday, May 30, 2017</a:t>
+              <a:t>Wednesday, May 31, 2017</a:t>
             </a:fld>
             <a:endParaRPr lang="en-US"/>
           </a:p>
@@ -2132,7 +2152,7 @@
             <a:fld id="{F168457A-3AB9-4880-8A0C-9F8524491207}" type="datetime2">
               <a:rPr lang="en-US" smtClean="0"/>
               <a:pPr/>
-              <a:t>Tuesday, May 30, 2017</a:t>
+              <a:t>Wednesday, May 31, 2017</a:t>
             </a:fld>
             <a:endParaRPr lang="en-US"/>
           </a:p>
@@ -2409,7 +2429,7 @@
             <a:fld id="{3FE976D3-5B7F-4300-ABED-C91F1B2AE209}" type="datetime2">
               <a:rPr lang="en-US" smtClean="0"/>
               <a:pPr/>
-              <a:t>Tuesday, May 30, 2017</a:t>
+              <a:t>Wednesday, May 31, 2017</a:t>
             </a:fld>
             <a:endParaRPr lang="en-US"/>
           </a:p>
@@ -2717,7 +2737,7 @@
             <a:fld id="{EBDC1E59-17DD-41CE-97CA-624A472382D4}" type="datetime2">
               <a:rPr lang="en-US" smtClean="0"/>
               <a:pPr/>
-              <a:t>Tuesday, May 30, 2017</a:t>
+              <a:t>Wednesday, May 31, 2017</a:t>
             </a:fld>
             <a:endParaRPr lang="en-US"/>
           </a:p>
@@ -3018,7 +3038,7 @@
             <a:fld id="{A80CB818-7379-467D-8E76-EF9D9074A26C}" type="datetime2">
               <a:rPr lang="en-US" smtClean="0"/>
               <a:pPr/>
-              <a:t>Tuesday, May 30, 2017</a:t>
+              <a:t>Wednesday, May 31, 2017</a:t>
             </a:fld>
             <a:endParaRPr lang="en-US" dirty="0"/>
           </a:p>
@@ -3468,9 +3488,1271 @@
     </p:spTree>
     <p:extLst>
       <p:ext uri="{BB962C8B-B14F-4D97-AF65-F5344CB8AC3E}">
-        <p14:creationId xmlns:p14="http://schemas.microsoft.com/office/powerpoint/2010/main" xmlns="" val="182139768"/>
+        <p14:creationId xmlns="" xmlns:p14="http://schemas.microsoft.com/office/powerpoint/2010/main" val="182139768"/>
       </p:ext>
     </p:extLst>
+  </p:cSld>
+  <p:clrMapOvr>
+    <a:masterClrMapping/>
+  </p:clrMapOvr>
+</p:sld>
+</file>
+
+<file path=ppt/slides/slide10.xml><?xml version="1.0" encoding="utf-8"?>
+<p:sld xmlns:a="http://schemas.openxmlformats.org/drawingml/2006/main" xmlns:r="http://schemas.openxmlformats.org/officeDocument/2006/relationships" xmlns:p="http://schemas.openxmlformats.org/presentationml/2006/main">
+  <p:cSld>
+    <p:spTree>
+      <p:nvGrpSpPr>
+        <p:cNvPr id="1" name=""/>
+        <p:cNvGrpSpPr/>
+        <p:nvPr/>
+      </p:nvGrpSpPr>
+      <p:grpSpPr>
+        <a:xfrm>
+          <a:off x="0" y="0"/>
+          <a:ext cx="0" cy="0"/>
+          <a:chOff x="0" y="0"/>
+          <a:chExt cx="0" cy="0"/>
+        </a:xfrm>
+      </p:grpSpPr>
+      <p:sp>
+        <p:nvSpPr>
+          <p:cNvPr id="2" name="Title 1"/>
+          <p:cNvSpPr>
+            <a:spLocks noGrp="1"/>
+          </p:cNvSpPr>
+          <p:nvPr>
+            <p:ph type="title"/>
+          </p:nvPr>
+        </p:nvSpPr>
+        <p:spPr/>
+        <p:txBody>
+          <a:bodyPr/>
+          <a:lstStyle/>
+          <a:p>
+            <a:r>
+              <a:rPr lang="en-IN" dirty="0" smtClean="0"/>
+              <a:t>Common examples</a:t>
+            </a:r>
+            <a:endParaRPr lang="en-US" dirty="0"/>
+          </a:p>
+        </p:txBody>
+      </p:sp>
+      <p:sp>
+        <p:nvSpPr>
+          <p:cNvPr id="3" name="Content Placeholder 2"/>
+          <p:cNvSpPr>
+            <a:spLocks noGrp="1"/>
+          </p:cNvSpPr>
+          <p:nvPr>
+            <p:ph idx="1"/>
+          </p:nvPr>
+        </p:nvSpPr>
+        <p:spPr/>
+        <p:txBody>
+          <a:bodyPr/>
+          <a:lstStyle/>
+          <a:p>
+            <a:r>
+              <a:rPr lang="en-IN" dirty="0" smtClean="0"/>
+              <a:t>Open </a:t>
+            </a:r>
+            <a:r>
+              <a:rPr lang="en-IN" dirty="0" err="1" smtClean="0"/>
+              <a:t>filehandle</a:t>
+            </a:r>
+            <a:r>
+              <a:rPr lang="en-IN" dirty="0" smtClean="0"/>
+              <a:t> to write data at the end of an existing file</a:t>
+            </a:r>
+          </a:p>
+          <a:p>
+            <a:r>
+              <a:rPr lang="en-IN" dirty="0" smtClean="0"/>
+              <a:t>File </a:t>
+            </a:r>
+            <a:r>
+              <a:rPr lang="en-IN" b="1" dirty="0" smtClean="0"/>
+              <a:t>appending </a:t>
+            </a:r>
+          </a:p>
+          <a:p>
+            <a:endParaRPr lang="en-IN" dirty="0" smtClean="0"/>
+          </a:p>
+          <a:p>
+            <a:endParaRPr lang="en-IN" dirty="0" smtClean="0"/>
+          </a:p>
+          <a:p>
+            <a:r>
+              <a:rPr lang="en-IN" dirty="0" smtClean="0"/>
+              <a:t>If a file with same name exists : appends data !!!</a:t>
+            </a:r>
+          </a:p>
+          <a:p>
+            <a:r>
+              <a:rPr lang="en-IN" dirty="0" smtClean="0"/>
+              <a:t>Otherwise : new file is created.</a:t>
+            </a:r>
+            <a:endParaRPr lang="en-US" dirty="0"/>
+          </a:p>
+        </p:txBody>
+      </p:sp>
+      <p:pic>
+        <p:nvPicPr>
+          <p:cNvPr id="7170" name="Picture 2"/>
+          <p:cNvPicPr>
+            <a:picLocks noChangeAspect="1" noChangeArrowheads="1"/>
+          </p:cNvPicPr>
+          <p:nvPr/>
+        </p:nvPicPr>
+        <p:blipFill>
+          <a:blip r:embed="rId2" cstate="print"/>
+          <a:srcRect/>
+          <a:stretch>
+            <a:fillRect/>
+          </a:stretch>
+        </p:blipFill>
+        <p:spPr bwMode="auto">
+          <a:xfrm>
+            <a:off x="1333500" y="2200275"/>
+            <a:ext cx="6477000" cy="742950"/>
+          </a:xfrm>
+          <a:prstGeom prst="rect">
+            <a:avLst/>
+          </a:prstGeom>
+          <a:noFill/>
+          <a:ln w="9525">
+            <a:noFill/>
+            <a:miter lim="800000"/>
+            <a:headEnd/>
+            <a:tailEnd/>
+          </a:ln>
+        </p:spPr>
+      </p:pic>
+    </p:spTree>
+  </p:cSld>
+  <p:clrMapOvr>
+    <a:masterClrMapping/>
+  </p:clrMapOvr>
+</p:sld>
+</file>
+
+<file path=ppt/slides/slide11.xml><?xml version="1.0" encoding="utf-8"?>
+<p:sld xmlns:a="http://schemas.openxmlformats.org/drawingml/2006/main" xmlns:r="http://schemas.openxmlformats.org/officeDocument/2006/relationships" xmlns:p="http://schemas.openxmlformats.org/presentationml/2006/main">
+  <p:cSld>
+    <p:spTree>
+      <p:nvGrpSpPr>
+        <p:cNvPr id="1" name=""/>
+        <p:cNvGrpSpPr/>
+        <p:nvPr/>
+      </p:nvGrpSpPr>
+      <p:grpSpPr>
+        <a:xfrm>
+          <a:off x="0" y="0"/>
+          <a:ext cx="0" cy="0"/>
+          <a:chOff x="0" y="0"/>
+          <a:chExt cx="0" cy="0"/>
+        </a:xfrm>
+      </p:grpSpPr>
+      <p:sp>
+        <p:nvSpPr>
+          <p:cNvPr id="2" name="Title 1"/>
+          <p:cNvSpPr>
+            <a:spLocks noGrp="1"/>
+          </p:cNvSpPr>
+          <p:nvPr>
+            <p:ph type="title"/>
+          </p:nvPr>
+        </p:nvSpPr>
+        <p:spPr/>
+        <p:txBody>
+          <a:bodyPr/>
+          <a:lstStyle/>
+          <a:p>
+            <a:r>
+              <a:rPr lang="en-IN" dirty="0" smtClean="0"/>
+              <a:t>Check file open status</a:t>
+            </a:r>
+            <a:endParaRPr lang="en-US" dirty="0"/>
+          </a:p>
+        </p:txBody>
+      </p:sp>
+      <p:sp>
+        <p:nvSpPr>
+          <p:cNvPr id="3" name="Content Placeholder 2"/>
+          <p:cNvSpPr>
+            <a:spLocks noGrp="1"/>
+          </p:cNvSpPr>
+          <p:nvPr>
+            <p:ph idx="1"/>
+          </p:nvPr>
+        </p:nvSpPr>
+        <p:spPr>
+          <a:xfrm>
+            <a:off x="457200" y="1019286"/>
+            <a:ext cx="8229600" cy="3657600"/>
+          </a:xfrm>
+        </p:spPr>
+        <p:txBody>
+          <a:bodyPr/>
+          <a:lstStyle/>
+          <a:p>
+            <a:endParaRPr lang="en-IN" dirty="0" smtClean="0"/>
+          </a:p>
+          <a:p>
+            <a:endParaRPr lang="en-IN" dirty="0" smtClean="0"/>
+          </a:p>
+          <a:p>
+            <a:endParaRPr lang="en-IN" dirty="0" smtClean="0"/>
+          </a:p>
+          <a:p>
+            <a:endParaRPr lang="en-IN" dirty="0" smtClean="0"/>
+          </a:p>
+          <a:p>
+            <a:pPr>
+              <a:buNone/>
+            </a:pPr>
+            <a:endParaRPr lang="en-IN" dirty="0" smtClean="0"/>
+          </a:p>
+          <a:p>
+            <a:pPr>
+              <a:buNone/>
+            </a:pPr>
+            <a:r>
+              <a:rPr lang="en-IN" dirty="0" smtClean="0"/>
+              <a:t>OR</a:t>
+            </a:r>
+            <a:endParaRPr lang="en-US" dirty="0"/>
+          </a:p>
+        </p:txBody>
+      </p:sp>
+      <p:pic>
+        <p:nvPicPr>
+          <p:cNvPr id="8194" name="Picture 2"/>
+          <p:cNvPicPr>
+            <a:picLocks noChangeAspect="1" noChangeArrowheads="1"/>
+          </p:cNvPicPr>
+          <p:nvPr/>
+        </p:nvPicPr>
+        <p:blipFill>
+          <a:blip r:embed="rId2" cstate="print"/>
+          <a:srcRect b="48756"/>
+          <a:stretch>
+            <a:fillRect/>
+          </a:stretch>
+        </p:blipFill>
+        <p:spPr bwMode="auto">
+          <a:xfrm>
+            <a:off x="668607" y="1197431"/>
+            <a:ext cx="7989651" cy="1980948"/>
+          </a:xfrm>
+          <a:prstGeom prst="rect">
+            <a:avLst/>
+          </a:prstGeom>
+          <a:noFill/>
+          <a:ln w="9525">
+            <a:noFill/>
+            <a:miter lim="800000"/>
+            <a:headEnd/>
+            <a:tailEnd/>
+          </a:ln>
+        </p:spPr>
+      </p:pic>
+      <p:pic>
+        <p:nvPicPr>
+          <p:cNvPr id="5" name="Picture 2"/>
+          <p:cNvPicPr>
+            <a:picLocks noChangeAspect="1" noChangeArrowheads="1"/>
+          </p:cNvPicPr>
+          <p:nvPr/>
+        </p:nvPicPr>
+        <p:blipFill>
+          <a:blip r:embed="rId2" cstate="print"/>
+          <a:srcRect t="61824"/>
+          <a:stretch>
+            <a:fillRect/>
+          </a:stretch>
+        </p:blipFill>
+        <p:spPr bwMode="auto">
+          <a:xfrm>
+            <a:off x="550663" y="3637582"/>
+            <a:ext cx="7989651" cy="1475774"/>
+          </a:xfrm>
+          <a:prstGeom prst="rect">
+            <a:avLst/>
+          </a:prstGeom>
+          <a:noFill/>
+          <a:ln w="9525">
+            <a:noFill/>
+            <a:miter lim="800000"/>
+            <a:headEnd/>
+            <a:tailEnd/>
+          </a:ln>
+        </p:spPr>
+      </p:pic>
+    </p:spTree>
+  </p:cSld>
+  <p:clrMapOvr>
+    <a:masterClrMapping/>
+  </p:clrMapOvr>
+</p:sld>
+</file>
+
+<file path=ppt/slides/slide12.xml><?xml version="1.0" encoding="utf-8"?>
+<p:sld xmlns:a="http://schemas.openxmlformats.org/drawingml/2006/main" xmlns:r="http://schemas.openxmlformats.org/officeDocument/2006/relationships" xmlns:p="http://schemas.openxmlformats.org/presentationml/2006/main">
+  <p:cSld>
+    <p:spTree>
+      <p:nvGrpSpPr>
+        <p:cNvPr id="1" name=""/>
+        <p:cNvGrpSpPr/>
+        <p:nvPr/>
+      </p:nvGrpSpPr>
+      <p:grpSpPr>
+        <a:xfrm>
+          <a:off x="0" y="0"/>
+          <a:ext cx="0" cy="0"/>
+          <a:chOff x="0" y="0"/>
+          <a:chExt cx="0" cy="0"/>
+        </a:xfrm>
+      </p:grpSpPr>
+      <p:sp>
+        <p:nvSpPr>
+          <p:cNvPr id="2" name="Title 1"/>
+          <p:cNvSpPr>
+            <a:spLocks noGrp="1"/>
+          </p:cNvSpPr>
+          <p:nvPr>
+            <p:ph type="title"/>
+          </p:nvPr>
+        </p:nvSpPr>
+        <p:spPr/>
+        <p:txBody>
+          <a:bodyPr/>
+          <a:lstStyle/>
+          <a:p>
+            <a:r>
+              <a:rPr lang="en-IN" dirty="0" smtClean="0"/>
+              <a:t>Check file open status</a:t>
+            </a:r>
+            <a:endParaRPr lang="en-US" dirty="0"/>
+          </a:p>
+        </p:txBody>
+      </p:sp>
+      <p:sp>
+        <p:nvSpPr>
+          <p:cNvPr id="6" name="Content Placeholder 5"/>
+          <p:cNvSpPr>
+            <a:spLocks noGrp="1"/>
+          </p:cNvSpPr>
+          <p:nvPr>
+            <p:ph idx="1"/>
+          </p:nvPr>
+        </p:nvSpPr>
+        <p:spPr/>
+        <p:txBody>
+          <a:bodyPr/>
+          <a:lstStyle/>
+          <a:p>
+            <a:r>
+              <a:rPr lang="en-GB" dirty="0" smtClean="0"/>
+              <a:t>If there is an error special variable </a:t>
+            </a:r>
+            <a:r>
+              <a:rPr lang="en-GB" b="1" dirty="0" smtClean="0"/>
+              <a:t>$! </a:t>
+            </a:r>
+            <a:r>
+              <a:rPr lang="en-GB" dirty="0" smtClean="0"/>
+              <a:t>is set to an error </a:t>
+            </a:r>
+            <a:r>
+              <a:rPr lang="en-GB" dirty="0" smtClean="0"/>
+              <a:t>text</a:t>
+            </a:r>
+            <a:r>
+              <a:rPr lang="en-GB" b="1" dirty="0" smtClean="0"/>
+              <a:t> </a:t>
+            </a:r>
+            <a:r>
+              <a:rPr lang="en-GB" dirty="0" smtClean="0"/>
+              <a:t>message </a:t>
+            </a:r>
+            <a:r>
+              <a:rPr lang="en-GB" dirty="0" smtClean="0"/>
+              <a:t>generated by the system (like “</a:t>
+            </a:r>
+            <a:r>
+              <a:rPr lang="en-GB" i="1" dirty="0" smtClean="0"/>
+              <a:t>access denied</a:t>
+            </a:r>
+            <a:r>
+              <a:rPr lang="en-GB" dirty="0" smtClean="0"/>
+              <a:t>”)</a:t>
+            </a:r>
+          </a:p>
+          <a:p>
+            <a:endParaRPr lang="en-GB" dirty="0" smtClean="0"/>
+          </a:p>
+          <a:p>
+            <a:endParaRPr lang="en-GB" dirty="0" smtClean="0"/>
+          </a:p>
+          <a:p>
+            <a:endParaRPr lang="en-GB" dirty="0" smtClean="0"/>
+          </a:p>
+          <a:p>
+            <a:endParaRPr lang="en-GB" dirty="0" smtClean="0"/>
+          </a:p>
+          <a:p>
+            <a:endParaRPr lang="en-GB" dirty="0" smtClean="0"/>
+          </a:p>
+          <a:p>
+            <a:r>
+              <a:rPr lang="en-GB" dirty="0" smtClean="0"/>
+              <a:t>No message for file overwrite!!!</a:t>
+            </a:r>
+            <a:endParaRPr lang="en-US" dirty="0"/>
+          </a:p>
+        </p:txBody>
+      </p:sp>
+      <p:pic>
+        <p:nvPicPr>
+          <p:cNvPr id="9218" name="Picture 2"/>
+          <p:cNvPicPr>
+            <a:picLocks noChangeAspect="1" noChangeArrowheads="1"/>
+          </p:cNvPicPr>
+          <p:nvPr/>
+        </p:nvPicPr>
+        <p:blipFill>
+          <a:blip r:embed="rId2" cstate="print"/>
+          <a:srcRect/>
+          <a:stretch>
+            <a:fillRect/>
+          </a:stretch>
+        </p:blipFill>
+        <p:spPr bwMode="auto">
+          <a:xfrm>
+            <a:off x="228600" y="2133789"/>
+            <a:ext cx="8915400" cy="1809750"/>
+          </a:xfrm>
+          <a:prstGeom prst="rect">
+            <a:avLst/>
+          </a:prstGeom>
+          <a:noFill/>
+          <a:ln w="9525">
+            <a:noFill/>
+            <a:miter lim="800000"/>
+            <a:headEnd/>
+            <a:tailEnd/>
+          </a:ln>
+        </p:spPr>
+      </p:pic>
+    </p:spTree>
+  </p:cSld>
+  <p:clrMapOvr>
+    <a:masterClrMapping/>
+  </p:clrMapOvr>
+</p:sld>
+</file>
+
+<file path=ppt/slides/slide13.xml><?xml version="1.0" encoding="utf-8"?>
+<p:sld xmlns:a="http://schemas.openxmlformats.org/drawingml/2006/main" xmlns:r="http://schemas.openxmlformats.org/officeDocument/2006/relationships" xmlns:p="http://schemas.openxmlformats.org/presentationml/2006/main">
+  <p:cSld>
+    <p:spTree>
+      <p:nvGrpSpPr>
+        <p:cNvPr id="1" name=""/>
+        <p:cNvGrpSpPr/>
+        <p:nvPr/>
+      </p:nvGrpSpPr>
+      <p:grpSpPr>
+        <a:xfrm>
+          <a:off x="0" y="0"/>
+          <a:ext cx="0" cy="0"/>
+          <a:chOff x="0" y="0"/>
+          <a:chExt cx="0" cy="0"/>
+        </a:xfrm>
+      </p:grpSpPr>
+      <p:sp>
+        <p:nvSpPr>
+          <p:cNvPr id="2" name="Title 1"/>
+          <p:cNvSpPr>
+            <a:spLocks noGrp="1"/>
+          </p:cNvSpPr>
+          <p:nvPr>
+            <p:ph type="title"/>
+          </p:nvPr>
+        </p:nvSpPr>
+        <p:spPr/>
+        <p:txBody>
+          <a:bodyPr/>
+          <a:lstStyle/>
+          <a:p>
+            <a:r>
+              <a:rPr lang="en-IN" dirty="0" smtClean="0"/>
+              <a:t>Open status in more compact form</a:t>
+            </a:r>
+            <a:endParaRPr lang="en-US" dirty="0"/>
+          </a:p>
+        </p:txBody>
+      </p:sp>
+      <p:sp>
+        <p:nvSpPr>
+          <p:cNvPr id="3" name="Content Placeholder 2"/>
+          <p:cNvSpPr>
+            <a:spLocks noGrp="1"/>
+          </p:cNvSpPr>
+          <p:nvPr>
+            <p:ph idx="1"/>
+          </p:nvPr>
+        </p:nvSpPr>
+        <p:spPr>
+          <a:xfrm>
+            <a:off x="457200" y="1200149"/>
+            <a:ext cx="8229600" cy="3799867"/>
+          </a:xfrm>
+        </p:spPr>
+        <p:txBody>
+          <a:bodyPr>
+            <a:normAutofit/>
+          </a:bodyPr>
+          <a:lstStyle/>
+          <a:p>
+            <a:r>
+              <a:rPr lang="en-GB" dirty="0" smtClean="0"/>
+              <a:t>There is a short version of </a:t>
+            </a:r>
+            <a:r>
+              <a:rPr lang="en-GB" b="1" dirty="0" smtClean="0"/>
+              <a:t>if</a:t>
+            </a:r>
+            <a:r>
+              <a:rPr lang="en-GB" dirty="0" smtClean="0"/>
+              <a:t>, especially useful in one-line </a:t>
+            </a:r>
+            <a:r>
+              <a:rPr lang="en-GB" dirty="0" smtClean="0"/>
+              <a:t>statements</a:t>
+            </a:r>
+          </a:p>
+          <a:p>
+            <a:endParaRPr lang="en-GB" dirty="0" smtClean="0"/>
+          </a:p>
+          <a:p>
+            <a:endParaRPr lang="en-GB" dirty="0" smtClean="0"/>
+          </a:p>
+          <a:p>
+            <a:endParaRPr lang="en-GB" dirty="0" smtClean="0"/>
+          </a:p>
+          <a:p>
+            <a:r>
+              <a:rPr lang="en-GB" b="1" dirty="0" smtClean="0"/>
+              <a:t>die(MESSAGE)</a:t>
+            </a:r>
+            <a:r>
+              <a:rPr lang="en-GB" dirty="0" smtClean="0"/>
+              <a:t>: terminate program with MESSAGE displayed to STDERR.  </a:t>
+            </a:r>
+          </a:p>
+          <a:p>
+            <a:r>
+              <a:rPr lang="en-GB" b="1" dirty="0" smtClean="0"/>
+              <a:t>warn(MESSAGE</a:t>
+            </a:r>
+            <a:r>
+              <a:rPr lang="en-GB" b="1" dirty="0" smtClean="0"/>
+              <a:t>)</a:t>
+            </a:r>
+            <a:r>
+              <a:rPr lang="en-GB" dirty="0" smtClean="0"/>
+              <a:t>: </a:t>
+            </a:r>
+            <a:r>
+              <a:rPr lang="en-GB" dirty="0" smtClean="0"/>
+              <a:t> </a:t>
+            </a:r>
+            <a:r>
+              <a:rPr lang="en-GB" dirty="0" smtClean="0"/>
+              <a:t>MESSAGE displayed to </a:t>
+            </a:r>
+            <a:r>
+              <a:rPr lang="en-GB" dirty="0" smtClean="0"/>
+              <a:t>STDERR, program resumes.  </a:t>
+            </a:r>
+            <a:endParaRPr lang="en-GB" dirty="0" smtClean="0"/>
+          </a:p>
+          <a:p>
+            <a:endParaRPr lang="en-GB" dirty="0" smtClean="0"/>
+          </a:p>
+          <a:p>
+            <a:endParaRPr lang="en-US" dirty="0"/>
+          </a:p>
+        </p:txBody>
+      </p:sp>
+      <p:pic>
+        <p:nvPicPr>
+          <p:cNvPr id="10242" name="Picture 2"/>
+          <p:cNvPicPr>
+            <a:picLocks noChangeAspect="1" noChangeArrowheads="1"/>
+          </p:cNvPicPr>
+          <p:nvPr/>
+        </p:nvPicPr>
+        <p:blipFill>
+          <a:blip r:embed="rId2" cstate="print"/>
+          <a:srcRect/>
+          <a:stretch>
+            <a:fillRect/>
+          </a:stretch>
+        </p:blipFill>
+        <p:spPr bwMode="auto">
+          <a:xfrm>
+            <a:off x="353337" y="1998616"/>
+            <a:ext cx="8326958" cy="1153134"/>
+          </a:xfrm>
+          <a:prstGeom prst="rect">
+            <a:avLst/>
+          </a:prstGeom>
+          <a:noFill/>
+          <a:ln w="9525">
+            <a:noFill/>
+            <a:miter lim="800000"/>
+            <a:headEnd/>
+            <a:tailEnd/>
+          </a:ln>
+        </p:spPr>
+      </p:pic>
+    </p:spTree>
+  </p:cSld>
+  <p:clrMapOvr>
+    <a:masterClrMapping/>
+  </p:clrMapOvr>
+</p:sld>
+</file>
+
+<file path=ppt/slides/slide14.xml><?xml version="1.0" encoding="utf-8"?>
+<p:sld xmlns:a="http://schemas.openxmlformats.org/drawingml/2006/main" xmlns:r="http://schemas.openxmlformats.org/officeDocument/2006/relationships" xmlns:p="http://schemas.openxmlformats.org/presentationml/2006/main">
+  <p:cSld>
+    <p:spTree>
+      <p:nvGrpSpPr>
+        <p:cNvPr id="1" name=""/>
+        <p:cNvGrpSpPr/>
+        <p:nvPr/>
+      </p:nvGrpSpPr>
+      <p:grpSpPr>
+        <a:xfrm>
+          <a:off x="0" y="0"/>
+          <a:ext cx="0" cy="0"/>
+          <a:chOff x="0" y="0"/>
+          <a:chExt cx="0" cy="0"/>
+        </a:xfrm>
+      </p:grpSpPr>
+      <p:sp>
+        <p:nvSpPr>
+          <p:cNvPr id="2" name="Title 1"/>
+          <p:cNvSpPr>
+            <a:spLocks noGrp="1"/>
+          </p:cNvSpPr>
+          <p:nvPr>
+            <p:ph type="title"/>
+          </p:nvPr>
+        </p:nvSpPr>
+        <p:spPr/>
+        <p:txBody>
+          <a:bodyPr/>
+          <a:lstStyle/>
+          <a:p>
+            <a:r>
+              <a:rPr lang="en-IN" dirty="0" smtClean="0"/>
+              <a:t>Read content of a file</a:t>
+            </a:r>
+            <a:endParaRPr lang="en-US" dirty="0"/>
+          </a:p>
+        </p:txBody>
+      </p:sp>
+      <p:pic>
+        <p:nvPicPr>
+          <p:cNvPr id="11266" name="Picture 2"/>
+          <p:cNvPicPr>
+            <a:picLocks noChangeAspect="1" noChangeArrowheads="1"/>
+          </p:cNvPicPr>
+          <p:nvPr/>
+        </p:nvPicPr>
+        <p:blipFill>
+          <a:blip r:embed="rId2" cstate="print"/>
+          <a:srcRect/>
+          <a:stretch>
+            <a:fillRect/>
+          </a:stretch>
+        </p:blipFill>
+        <p:spPr bwMode="auto">
+          <a:xfrm>
+            <a:off x="53340" y="1683996"/>
+            <a:ext cx="9061476" cy="1815385"/>
+          </a:xfrm>
+          <a:prstGeom prst="rect">
+            <a:avLst/>
+          </a:prstGeom>
+          <a:noFill/>
+          <a:ln w="9525">
+            <a:noFill/>
+            <a:miter lim="800000"/>
+            <a:headEnd/>
+            <a:tailEnd/>
+          </a:ln>
+        </p:spPr>
+      </p:pic>
+    </p:spTree>
+  </p:cSld>
+  <p:clrMapOvr>
+    <a:masterClrMapping/>
+  </p:clrMapOvr>
+</p:sld>
+</file>
+
+<file path=ppt/slides/slide15.xml><?xml version="1.0" encoding="utf-8"?>
+<p:sld xmlns:a="http://schemas.openxmlformats.org/drawingml/2006/main" xmlns:r="http://schemas.openxmlformats.org/officeDocument/2006/relationships" xmlns:p="http://schemas.openxmlformats.org/presentationml/2006/main">
+  <p:cSld>
+    <p:spTree>
+      <p:nvGrpSpPr>
+        <p:cNvPr id="1" name=""/>
+        <p:cNvGrpSpPr/>
+        <p:nvPr/>
+      </p:nvGrpSpPr>
+      <p:grpSpPr>
+        <a:xfrm>
+          <a:off x="0" y="0"/>
+          <a:ext cx="0" cy="0"/>
+          <a:chOff x="0" y="0"/>
+          <a:chExt cx="0" cy="0"/>
+        </a:xfrm>
+      </p:grpSpPr>
+      <p:sp>
+        <p:nvSpPr>
+          <p:cNvPr id="2" name="Title 1"/>
+          <p:cNvSpPr>
+            <a:spLocks noGrp="1"/>
+          </p:cNvSpPr>
+          <p:nvPr>
+            <p:ph type="title"/>
+          </p:nvPr>
+        </p:nvSpPr>
+        <p:spPr/>
+        <p:txBody>
+          <a:bodyPr/>
+          <a:lstStyle/>
+          <a:p>
+            <a:endParaRPr lang="en-US"/>
+          </a:p>
+        </p:txBody>
+      </p:sp>
+      <p:pic>
+        <p:nvPicPr>
+          <p:cNvPr id="12290" name="Picture 2"/>
+          <p:cNvPicPr>
+            <a:picLocks noChangeAspect="1" noChangeArrowheads="1"/>
+          </p:cNvPicPr>
+          <p:nvPr/>
+        </p:nvPicPr>
+        <p:blipFill>
+          <a:blip r:embed="rId2" cstate="print"/>
+          <a:srcRect/>
+          <a:stretch>
+            <a:fillRect/>
+          </a:stretch>
+        </p:blipFill>
+        <p:spPr bwMode="auto">
+          <a:xfrm>
+            <a:off x="0" y="502418"/>
+            <a:ext cx="8878672" cy="3888000"/>
+          </a:xfrm>
+          <a:prstGeom prst="rect">
+            <a:avLst/>
+          </a:prstGeom>
+          <a:noFill/>
+          <a:ln w="9525">
+            <a:noFill/>
+            <a:miter lim="800000"/>
+            <a:headEnd/>
+            <a:tailEnd/>
+          </a:ln>
+        </p:spPr>
+      </p:pic>
+      <p:pic>
+        <p:nvPicPr>
+          <p:cNvPr id="12291" name="Picture 3"/>
+          <p:cNvPicPr>
+            <a:picLocks noChangeAspect="1" noChangeArrowheads="1"/>
+          </p:cNvPicPr>
+          <p:nvPr/>
+        </p:nvPicPr>
+        <p:blipFill>
+          <a:blip r:embed="rId3" cstate="print"/>
+          <a:srcRect/>
+          <a:stretch>
+            <a:fillRect/>
+          </a:stretch>
+        </p:blipFill>
+        <p:spPr bwMode="auto">
+          <a:xfrm>
+            <a:off x="2235811" y="4442209"/>
+            <a:ext cx="6219825" cy="419100"/>
+          </a:xfrm>
+          <a:prstGeom prst="rect">
+            <a:avLst/>
+          </a:prstGeom>
+          <a:noFill/>
+          <a:ln w="9525">
+            <a:noFill/>
+            <a:miter lim="800000"/>
+            <a:headEnd/>
+            <a:tailEnd/>
+          </a:ln>
+        </p:spPr>
+      </p:pic>
+      <p:sp>
+        <p:nvSpPr>
+          <p:cNvPr id="5" name="Rectangle 4"/>
+          <p:cNvSpPr/>
+          <p:nvPr/>
+        </p:nvSpPr>
+        <p:spPr>
+          <a:xfrm>
+            <a:off x="6295987" y="2688535"/>
+            <a:ext cx="2621230" cy="369332"/>
+          </a:xfrm>
+          <a:prstGeom prst="rect">
+            <a:avLst/>
+          </a:prstGeom>
+        </p:spPr>
+        <p:txBody>
+          <a:bodyPr wrap="none">
+            <a:spAutoFit/>
+          </a:bodyPr>
+          <a:lstStyle/>
+          <a:p>
+            <a:r>
+              <a:rPr lang="en-US" dirty="0" smtClean="0">
+                <a:solidFill>
+                  <a:srgbClr val="FF0000"/>
+                </a:solidFill>
+              </a:rPr>
+              <a:t>../data/</a:t>
+            </a:r>
+            <a:r>
+              <a:rPr lang="en-US" dirty="0" err="1" smtClean="0">
+                <a:solidFill>
+                  <a:srgbClr val="FF0000"/>
+                </a:solidFill>
+              </a:rPr>
+              <a:t>At_proteins.fasta</a:t>
+            </a:r>
+            <a:endParaRPr lang="en-US" dirty="0">
+              <a:solidFill>
+                <a:srgbClr val="FF0000"/>
+              </a:solidFill>
+            </a:endParaRPr>
+          </a:p>
+        </p:txBody>
+      </p:sp>
+    </p:spTree>
+  </p:cSld>
+  <p:clrMapOvr>
+    <a:masterClrMapping/>
+  </p:clrMapOvr>
+</p:sld>
+</file>
+
+<file path=ppt/slides/slide16.xml><?xml version="1.0" encoding="utf-8"?>
+<p:sld xmlns:a="http://schemas.openxmlformats.org/drawingml/2006/main" xmlns:r="http://schemas.openxmlformats.org/officeDocument/2006/relationships" xmlns:p="http://schemas.openxmlformats.org/presentationml/2006/main">
+  <p:cSld>
+    <p:spTree>
+      <p:nvGrpSpPr>
+        <p:cNvPr id="1" name=""/>
+        <p:cNvGrpSpPr/>
+        <p:nvPr/>
+      </p:nvGrpSpPr>
+      <p:grpSpPr>
+        <a:xfrm>
+          <a:off x="0" y="0"/>
+          <a:ext cx="0" cy="0"/>
+          <a:chOff x="0" y="0"/>
+          <a:chExt cx="0" cy="0"/>
+        </a:xfrm>
+      </p:grpSpPr>
+      <p:pic>
+        <p:nvPicPr>
+          <p:cNvPr id="13314" name="Picture 2"/>
+          <p:cNvPicPr>
+            <a:picLocks noChangeAspect="1" noChangeArrowheads="1"/>
+          </p:cNvPicPr>
+          <p:nvPr/>
+        </p:nvPicPr>
+        <p:blipFill>
+          <a:blip r:embed="rId2" cstate="print"/>
+          <a:srcRect/>
+          <a:stretch>
+            <a:fillRect/>
+          </a:stretch>
+        </p:blipFill>
+        <p:spPr bwMode="auto">
+          <a:xfrm>
+            <a:off x="0" y="1152929"/>
+            <a:ext cx="8647081" cy="2533853"/>
+          </a:xfrm>
+          <a:prstGeom prst="rect">
+            <a:avLst/>
+          </a:prstGeom>
+          <a:noFill/>
+          <a:ln w="9525">
+            <a:noFill/>
+            <a:miter lim="800000"/>
+            <a:headEnd/>
+            <a:tailEnd/>
+          </a:ln>
+        </p:spPr>
+      </p:pic>
+      <p:pic>
+        <p:nvPicPr>
+          <p:cNvPr id="13315" name="Picture 3"/>
+          <p:cNvPicPr>
+            <a:picLocks noChangeAspect="1" noChangeArrowheads="1"/>
+          </p:cNvPicPr>
+          <p:nvPr/>
+        </p:nvPicPr>
+        <p:blipFill>
+          <a:blip r:embed="rId3" cstate="print"/>
+          <a:srcRect/>
+          <a:stretch>
+            <a:fillRect/>
+          </a:stretch>
+        </p:blipFill>
+        <p:spPr bwMode="auto">
+          <a:xfrm>
+            <a:off x="258455" y="3841412"/>
+            <a:ext cx="8603443" cy="652765"/>
+          </a:xfrm>
+          <a:prstGeom prst="rect">
+            <a:avLst/>
+          </a:prstGeom>
+          <a:noFill/>
+          <a:ln w="9525">
+            <a:noFill/>
+            <a:miter lim="800000"/>
+            <a:headEnd/>
+            <a:tailEnd/>
+          </a:ln>
+        </p:spPr>
+      </p:pic>
+    </p:spTree>
+  </p:cSld>
+  <p:clrMapOvr>
+    <a:masterClrMapping/>
+  </p:clrMapOvr>
+</p:sld>
+</file>
+
+<file path=ppt/slides/slide17.xml><?xml version="1.0" encoding="utf-8"?>
+<p:sld xmlns:a="http://schemas.openxmlformats.org/drawingml/2006/main" xmlns:r="http://schemas.openxmlformats.org/officeDocument/2006/relationships" xmlns:p="http://schemas.openxmlformats.org/presentationml/2006/main">
+  <p:cSld>
+    <p:spTree>
+      <p:nvGrpSpPr>
+        <p:cNvPr id="1" name=""/>
+        <p:cNvGrpSpPr/>
+        <p:nvPr/>
+      </p:nvGrpSpPr>
+      <p:grpSpPr>
+        <a:xfrm>
+          <a:off x="0" y="0"/>
+          <a:ext cx="0" cy="0"/>
+          <a:chOff x="0" y="0"/>
+          <a:chExt cx="0" cy="0"/>
+        </a:xfrm>
+      </p:grpSpPr>
+      <p:sp>
+        <p:nvSpPr>
+          <p:cNvPr id="2" name="Title 1"/>
+          <p:cNvSpPr>
+            <a:spLocks noGrp="1"/>
+          </p:cNvSpPr>
+          <p:nvPr>
+            <p:ph type="title"/>
+          </p:nvPr>
+        </p:nvSpPr>
+        <p:spPr/>
+        <p:txBody>
+          <a:bodyPr/>
+          <a:lstStyle/>
+          <a:p>
+            <a:r>
+              <a:rPr lang="en-IN" dirty="0" smtClean="0"/>
+              <a:t>Read whole file using while()</a:t>
+            </a:r>
+            <a:endParaRPr lang="en-US" dirty="0"/>
+          </a:p>
+        </p:txBody>
+      </p:sp>
+      <p:pic>
+        <p:nvPicPr>
+          <p:cNvPr id="14339" name="Picture 3"/>
+          <p:cNvPicPr>
+            <a:picLocks noChangeAspect="1" noChangeArrowheads="1"/>
+          </p:cNvPicPr>
+          <p:nvPr/>
+        </p:nvPicPr>
+        <p:blipFill>
+          <a:blip r:embed="rId2" cstate="print"/>
+          <a:srcRect/>
+          <a:stretch>
+            <a:fillRect/>
+          </a:stretch>
+        </p:blipFill>
+        <p:spPr bwMode="auto">
+          <a:xfrm>
+            <a:off x="175098" y="1446446"/>
+            <a:ext cx="8790214" cy="2030843"/>
+          </a:xfrm>
+          <a:prstGeom prst="rect">
+            <a:avLst/>
+          </a:prstGeom>
+          <a:noFill/>
+          <a:ln w="9525">
+            <a:noFill/>
+            <a:miter lim="800000"/>
+            <a:headEnd/>
+            <a:tailEnd/>
+          </a:ln>
+        </p:spPr>
+      </p:pic>
+    </p:spTree>
+  </p:cSld>
+  <p:clrMapOvr>
+    <a:masterClrMapping/>
+  </p:clrMapOvr>
+</p:sld>
+</file>
+
+<file path=ppt/slides/slide18.xml><?xml version="1.0" encoding="utf-8"?>
+<p:sld xmlns:a="http://schemas.openxmlformats.org/drawingml/2006/main" xmlns:r="http://schemas.openxmlformats.org/officeDocument/2006/relationships" xmlns:p="http://schemas.openxmlformats.org/presentationml/2006/main">
+  <p:cSld>
+    <p:spTree>
+      <p:nvGrpSpPr>
+        <p:cNvPr id="1" name=""/>
+        <p:cNvGrpSpPr/>
+        <p:nvPr/>
+      </p:nvGrpSpPr>
+      <p:grpSpPr>
+        <a:xfrm>
+          <a:off x="0" y="0"/>
+          <a:ext cx="0" cy="0"/>
+          <a:chOff x="0" y="0"/>
+          <a:chExt cx="0" cy="0"/>
+        </a:xfrm>
+      </p:grpSpPr>
+      <p:sp>
+        <p:nvSpPr>
+          <p:cNvPr id="2" name="Title 1"/>
+          <p:cNvSpPr>
+            <a:spLocks noGrp="1"/>
+          </p:cNvSpPr>
+          <p:nvPr>
+            <p:ph type="title"/>
+          </p:nvPr>
+        </p:nvSpPr>
+        <p:spPr/>
+        <p:txBody>
+          <a:bodyPr/>
+          <a:lstStyle/>
+          <a:p>
+            <a:r>
+              <a:rPr lang="en-IN" dirty="0" smtClean="0"/>
+              <a:t>Write text to a new file</a:t>
+            </a:r>
+            <a:endParaRPr lang="en-US" dirty="0"/>
+          </a:p>
+        </p:txBody>
+      </p:sp>
+      <p:pic>
+        <p:nvPicPr>
+          <p:cNvPr id="15362" name="Picture 2"/>
+          <p:cNvPicPr>
+            <a:picLocks noChangeAspect="1" noChangeArrowheads="1"/>
+          </p:cNvPicPr>
+          <p:nvPr/>
+        </p:nvPicPr>
+        <p:blipFill>
+          <a:blip r:embed="rId2" cstate="print"/>
+          <a:srcRect/>
+          <a:stretch>
+            <a:fillRect/>
+          </a:stretch>
+        </p:blipFill>
+        <p:spPr bwMode="auto">
+          <a:xfrm>
+            <a:off x="175098" y="1571297"/>
+            <a:ext cx="8647386" cy="1998754"/>
+          </a:xfrm>
+          <a:prstGeom prst="rect">
+            <a:avLst/>
+          </a:prstGeom>
+          <a:noFill/>
+          <a:ln w="9525">
+            <a:noFill/>
+            <a:miter lim="800000"/>
+            <a:headEnd/>
+            <a:tailEnd/>
+          </a:ln>
+        </p:spPr>
+      </p:pic>
+    </p:spTree>
+  </p:cSld>
+  <p:clrMapOvr>
+    <a:masterClrMapping/>
+  </p:clrMapOvr>
+</p:sld>
+</file>
+
+<file path=ppt/slides/slide19.xml><?xml version="1.0" encoding="utf-8"?>
+<p:sld xmlns:a="http://schemas.openxmlformats.org/drawingml/2006/main" xmlns:r="http://schemas.openxmlformats.org/officeDocument/2006/relationships" xmlns:p="http://schemas.openxmlformats.org/presentationml/2006/main">
+  <p:cSld>
+    <p:spTree>
+      <p:nvGrpSpPr>
+        <p:cNvPr id="1" name=""/>
+        <p:cNvGrpSpPr/>
+        <p:nvPr/>
+      </p:nvGrpSpPr>
+      <p:grpSpPr>
+        <a:xfrm>
+          <a:off x="0" y="0"/>
+          <a:ext cx="0" cy="0"/>
+          <a:chOff x="0" y="0"/>
+          <a:chExt cx="0" cy="0"/>
+        </a:xfrm>
+      </p:grpSpPr>
+      <p:sp>
+        <p:nvSpPr>
+          <p:cNvPr id="3" name="Title 2"/>
+          <p:cNvSpPr>
+            <a:spLocks noGrp="1"/>
+          </p:cNvSpPr>
+          <p:nvPr>
+            <p:ph type="title"/>
+          </p:nvPr>
+        </p:nvSpPr>
+        <p:spPr/>
+        <p:txBody>
+          <a:bodyPr/>
+          <a:lstStyle/>
+          <a:p>
+            <a:r>
+              <a:rPr lang="en-IN" dirty="0" err="1" smtClean="0"/>
+              <a:t>opendir</a:t>
+            </a:r>
+            <a:r>
+              <a:rPr lang="en-IN" dirty="0" smtClean="0"/>
+              <a:t>() : open folder as a stream</a:t>
+            </a:r>
+            <a:endParaRPr lang="en-US" dirty="0"/>
+          </a:p>
+        </p:txBody>
+      </p:sp>
+      <p:sp>
+        <p:nvSpPr>
+          <p:cNvPr id="4" name="Content Placeholder 3"/>
+          <p:cNvSpPr>
+            <a:spLocks noGrp="1"/>
+          </p:cNvSpPr>
+          <p:nvPr>
+            <p:ph idx="1"/>
+          </p:nvPr>
+        </p:nvSpPr>
+        <p:spPr/>
+        <p:txBody>
+          <a:bodyPr/>
+          <a:lstStyle/>
+          <a:p>
+            <a:r>
+              <a:rPr lang="en-IN" dirty="0" smtClean="0"/>
+              <a:t>Syntax</a:t>
+            </a:r>
+            <a:r>
+              <a:rPr lang="en-IN" dirty="0" smtClean="0"/>
+              <a:t>: </a:t>
+            </a:r>
+            <a:r>
+              <a:rPr lang="en-IN" dirty="0" err="1" smtClean="0"/>
+              <a:t>opendir</a:t>
+            </a:r>
+            <a:r>
+              <a:rPr lang="en-IN" dirty="0" smtClean="0"/>
+              <a:t> DIRHANDLE, "/</a:t>
+            </a:r>
+            <a:r>
+              <a:rPr lang="en-IN" dirty="0" smtClean="0"/>
+              <a:t>path/</a:t>
+            </a:r>
+            <a:r>
+              <a:rPr lang="en-IN" dirty="0" err="1" smtClean="0"/>
+              <a:t>dirname</a:t>
+            </a:r>
+            <a:r>
+              <a:rPr lang="en-IN" dirty="0" smtClean="0"/>
+              <a:t>“</a:t>
+            </a:r>
+          </a:p>
+          <a:p>
+            <a:r>
+              <a:rPr lang="en-GB" dirty="0" smtClean="0"/>
+              <a:t>Similar as to file </a:t>
+            </a:r>
+            <a:r>
+              <a:rPr lang="en-GB" b="1" dirty="0" smtClean="0"/>
+              <a:t>open</a:t>
+            </a:r>
+          </a:p>
+          <a:p>
+            <a:r>
+              <a:rPr lang="en-US" dirty="0" smtClean="0"/>
+              <a:t>returns success </a:t>
+            </a:r>
+            <a:r>
+              <a:rPr lang="en-US" dirty="0" smtClean="0"/>
+              <a:t>(1) or failure (0) code</a:t>
+            </a:r>
+            <a:endParaRPr lang="en-US" dirty="0"/>
+          </a:p>
+        </p:txBody>
+      </p:sp>
+      <p:pic>
+        <p:nvPicPr>
+          <p:cNvPr id="16388" name="Picture 4"/>
+          <p:cNvPicPr>
+            <a:picLocks noChangeAspect="1" noChangeArrowheads="1"/>
+          </p:cNvPicPr>
+          <p:nvPr/>
+        </p:nvPicPr>
+        <p:blipFill>
+          <a:blip r:embed="rId2" cstate="print"/>
+          <a:srcRect/>
+          <a:stretch>
+            <a:fillRect/>
+          </a:stretch>
+        </p:blipFill>
+        <p:spPr bwMode="auto">
+          <a:xfrm>
+            <a:off x="251208" y="2706043"/>
+            <a:ext cx="8450665" cy="1428086"/>
+          </a:xfrm>
+          <a:prstGeom prst="rect">
+            <a:avLst/>
+          </a:prstGeom>
+          <a:noFill/>
+          <a:ln w="9525">
+            <a:noFill/>
+            <a:miter lim="800000"/>
+            <a:headEnd/>
+            <a:tailEnd/>
+          </a:ln>
+        </p:spPr>
+      </p:pic>
+    </p:spTree>
   </p:cSld>
   <p:clrMapOvr>
     <a:masterClrMapping/>
@@ -3549,19 +4831,7 @@
           <a:p>
             <a:r>
               <a:rPr lang="pt-BR" dirty="0" smtClean="0"/>
-              <a:t>How to </a:t>
-            </a:r>
-            <a:r>
-              <a:rPr lang="pt-BR" dirty="0" smtClean="0"/>
-              <a:t>create </a:t>
-            </a:r>
-            <a:r>
-              <a:rPr lang="pt-BR" dirty="0" smtClean="0"/>
-              <a:t>a </a:t>
-            </a:r>
-            <a:r>
-              <a:rPr lang="pt-BR" dirty="0" smtClean="0"/>
-              <a:t>new file and write some information</a:t>
+              <a:t>How to create a new file and write some information</a:t>
             </a:r>
           </a:p>
           <a:p>
@@ -3604,6 +4874,802 @@
               <a:t>Blast_output</a:t>
             </a:r>
             <a:endParaRPr lang="en-US" dirty="0" smtClean="0"/>
+          </a:p>
+        </p:txBody>
+      </p:sp>
+    </p:spTree>
+  </p:cSld>
+  <p:clrMapOvr>
+    <a:masterClrMapping/>
+  </p:clrMapOvr>
+</p:sld>
+</file>
+
+<file path=ppt/slides/slide20.xml><?xml version="1.0" encoding="utf-8"?>
+<p:sld xmlns:a="http://schemas.openxmlformats.org/drawingml/2006/main" xmlns:r="http://schemas.openxmlformats.org/officeDocument/2006/relationships" xmlns:p="http://schemas.openxmlformats.org/presentationml/2006/main">
+  <p:cSld>
+    <p:spTree>
+      <p:nvGrpSpPr>
+        <p:cNvPr id="1" name=""/>
+        <p:cNvGrpSpPr/>
+        <p:nvPr/>
+      </p:nvGrpSpPr>
+      <p:grpSpPr>
+        <a:xfrm>
+          <a:off x="0" y="0"/>
+          <a:ext cx="0" cy="0"/>
+          <a:chOff x="0" y="0"/>
+          <a:chExt cx="0" cy="0"/>
+        </a:xfrm>
+      </p:grpSpPr>
+      <p:sp>
+        <p:nvSpPr>
+          <p:cNvPr id="2" name="Title 1"/>
+          <p:cNvSpPr>
+            <a:spLocks noGrp="1"/>
+          </p:cNvSpPr>
+          <p:nvPr>
+            <p:ph type="title"/>
+          </p:nvPr>
+        </p:nvSpPr>
+        <p:spPr/>
+        <p:txBody>
+          <a:bodyPr/>
+          <a:lstStyle/>
+          <a:p>
+            <a:r>
+              <a:rPr lang="en-IN" dirty="0" err="1" smtClean="0"/>
+              <a:t>readdir</a:t>
+            </a:r>
+            <a:r>
+              <a:rPr lang="en-IN" dirty="0" smtClean="0"/>
+              <a:t>() : list content of a folder</a:t>
+            </a:r>
+            <a:endParaRPr lang="en-US" dirty="0"/>
+          </a:p>
+        </p:txBody>
+      </p:sp>
+      <p:sp>
+        <p:nvSpPr>
+          <p:cNvPr id="3" name="Content Placeholder 2"/>
+          <p:cNvSpPr>
+            <a:spLocks noGrp="1"/>
+          </p:cNvSpPr>
+          <p:nvPr>
+            <p:ph idx="1"/>
+          </p:nvPr>
+        </p:nvSpPr>
+        <p:spPr/>
+        <p:txBody>
+          <a:bodyPr/>
+          <a:lstStyle/>
+          <a:p>
+            <a:r>
+              <a:rPr lang="en-IN" dirty="0" err="1" smtClean="0"/>
+              <a:t>Syntaz</a:t>
+            </a:r>
+            <a:r>
+              <a:rPr lang="en-IN" dirty="0" smtClean="0"/>
+              <a:t>: </a:t>
+            </a:r>
+            <a:r>
+              <a:rPr lang="en-IN" dirty="0" err="1" smtClean="0"/>
+              <a:t>readdir</a:t>
+            </a:r>
+            <a:r>
+              <a:rPr lang="en-IN" dirty="0" smtClean="0"/>
+              <a:t> </a:t>
+            </a:r>
+            <a:r>
+              <a:rPr lang="en-IN" dirty="0" smtClean="0"/>
+              <a:t>DIRHANDLE</a:t>
+            </a:r>
+          </a:p>
+          <a:p>
+            <a:pPr lvl="1"/>
+            <a:r>
+              <a:rPr lang="en-GB" dirty="0" smtClean="0"/>
+              <a:t>returns an array containing all entries in a directory</a:t>
+            </a:r>
+            <a:endParaRPr lang="en-US" dirty="0"/>
+          </a:p>
+        </p:txBody>
+      </p:sp>
+      <p:pic>
+        <p:nvPicPr>
+          <p:cNvPr id="18434" name="Picture 2"/>
+          <p:cNvPicPr>
+            <a:picLocks noChangeAspect="1" noChangeArrowheads="1"/>
+          </p:cNvPicPr>
+          <p:nvPr/>
+        </p:nvPicPr>
+        <p:blipFill>
+          <a:blip r:embed="rId2" cstate="print"/>
+          <a:srcRect/>
+          <a:stretch>
+            <a:fillRect/>
+          </a:stretch>
+        </p:blipFill>
+        <p:spPr bwMode="auto">
+          <a:xfrm>
+            <a:off x="-30143" y="2788530"/>
+            <a:ext cx="9174143" cy="1029442"/>
+          </a:xfrm>
+          <a:prstGeom prst="rect">
+            <a:avLst/>
+          </a:prstGeom>
+          <a:noFill/>
+          <a:ln w="9525">
+            <a:noFill/>
+            <a:miter lim="800000"/>
+            <a:headEnd/>
+            <a:tailEnd/>
+          </a:ln>
+        </p:spPr>
+      </p:pic>
+    </p:spTree>
+  </p:cSld>
+  <p:clrMapOvr>
+    <a:masterClrMapping/>
+  </p:clrMapOvr>
+</p:sld>
+</file>
+
+<file path=ppt/slides/slide21.xml><?xml version="1.0" encoding="utf-8"?>
+<p:sld xmlns:a="http://schemas.openxmlformats.org/drawingml/2006/main" xmlns:r="http://schemas.openxmlformats.org/officeDocument/2006/relationships" xmlns:p="http://schemas.openxmlformats.org/presentationml/2006/main">
+  <p:cSld>
+    <p:spTree>
+      <p:nvGrpSpPr>
+        <p:cNvPr id="1" name=""/>
+        <p:cNvGrpSpPr/>
+        <p:nvPr/>
+      </p:nvGrpSpPr>
+      <p:grpSpPr>
+        <a:xfrm>
+          <a:off x="0" y="0"/>
+          <a:ext cx="0" cy="0"/>
+          <a:chOff x="0" y="0"/>
+          <a:chExt cx="0" cy="0"/>
+        </a:xfrm>
+      </p:grpSpPr>
+      <p:sp>
+        <p:nvSpPr>
+          <p:cNvPr id="2" name="Title 1"/>
+          <p:cNvSpPr>
+            <a:spLocks noGrp="1"/>
+          </p:cNvSpPr>
+          <p:nvPr>
+            <p:ph type="title"/>
+          </p:nvPr>
+        </p:nvSpPr>
+        <p:spPr/>
+        <p:txBody>
+          <a:bodyPr>
+            <a:normAutofit fontScale="90000"/>
+          </a:bodyPr>
+          <a:lstStyle/>
+          <a:p>
+            <a:r>
+              <a:rPr lang="en-GB" dirty="0" smtClean="0"/>
+              <a:t>Logical operators for files and directories</a:t>
+            </a:r>
+            <a:endParaRPr lang="en-US" dirty="0"/>
+          </a:p>
+        </p:txBody>
+      </p:sp>
+      <p:graphicFrame>
+        <p:nvGraphicFramePr>
+          <p:cNvPr id="7" name="Content Placeholder 6"/>
+          <p:cNvGraphicFramePr>
+            <a:graphicFrameLocks noGrp="1"/>
+          </p:cNvGraphicFramePr>
+          <p:nvPr>
+            <p:ph sz="half" idx="1"/>
+          </p:nvPr>
+        </p:nvGraphicFramePr>
+        <p:xfrm>
+          <a:off x="457200" y="1255713"/>
+          <a:ext cx="4038600" cy="3235960"/>
+        </p:xfrm>
+        <a:graphic>
+          <a:graphicData uri="http://schemas.openxmlformats.org/drawingml/2006/table">
+            <a:tbl>
+              <a:tblPr firstRow="1" bandRow="1">
+                <a:tableStyleId>{5C22544A-7EE6-4342-B048-85BDC9FD1C3A}</a:tableStyleId>
+              </a:tblPr>
+              <a:tblGrid>
+                <a:gridCol w="1714500"/>
+                <a:gridCol w="2324100"/>
+              </a:tblGrid>
+              <a:tr h="370840">
+                <a:tc>
+                  <a:txBody>
+                    <a:bodyPr/>
+                    <a:lstStyle/>
+                    <a:p>
+                      <a:r>
+                        <a:rPr lang="en-IN" dirty="0" smtClean="0"/>
+                        <a:t>File operators</a:t>
+                      </a:r>
+                      <a:endParaRPr lang="en-US" dirty="0"/>
+                    </a:p>
+                  </a:txBody>
+                  <a:tcPr/>
+                </a:tc>
+                <a:tc>
+                  <a:txBody>
+                    <a:bodyPr/>
+                    <a:lstStyle/>
+                    <a:p>
+                      <a:r>
+                        <a:rPr lang="en-IN" dirty="0" smtClean="0"/>
+                        <a:t>description</a:t>
+                      </a:r>
+                      <a:endParaRPr lang="en-US" dirty="0"/>
+                    </a:p>
+                  </a:txBody>
+                  <a:tcPr/>
+                </a:tc>
+              </a:tr>
+              <a:tr h="370840">
+                <a:tc>
+                  <a:txBody>
+                    <a:bodyPr/>
+                    <a:lstStyle/>
+                    <a:p>
+                      <a:r>
+                        <a:rPr lang="en-IN" dirty="0" smtClean="0"/>
+                        <a:t>-e “name”</a:t>
+                      </a:r>
+                      <a:endParaRPr lang="en-US" dirty="0"/>
+                    </a:p>
+                  </a:txBody>
+                  <a:tcPr/>
+                </a:tc>
+                <a:tc>
+                  <a:txBody>
+                    <a:bodyPr/>
+                    <a:lstStyle/>
+                    <a:p>
+                      <a:r>
+                        <a:rPr lang="en-IN" dirty="0" smtClean="0"/>
+                        <a:t>File or</a:t>
+                      </a:r>
+                      <a:r>
+                        <a:rPr lang="en-IN" baseline="0" dirty="0" smtClean="0"/>
+                        <a:t> DIR exists</a:t>
+                      </a:r>
+                      <a:endParaRPr lang="en-US" dirty="0"/>
+                    </a:p>
+                  </a:txBody>
+                  <a:tcPr/>
+                </a:tc>
+              </a:tr>
+              <a:tr h="370840">
+                <a:tc>
+                  <a:txBody>
+                    <a:bodyPr/>
+                    <a:lstStyle/>
+                    <a:p>
+                      <a:r>
+                        <a:rPr lang="en-IN" dirty="0" smtClean="0"/>
+                        <a:t>-f “</a:t>
+                      </a:r>
+                      <a:r>
+                        <a:rPr lang="en-IN" i="1" dirty="0" smtClean="0"/>
+                        <a:t>name</a:t>
+                      </a:r>
+                      <a:r>
+                        <a:rPr lang="en-IN" dirty="0" smtClean="0"/>
+                        <a:t>”</a:t>
+                      </a:r>
+                      <a:endParaRPr lang="en-US" dirty="0"/>
+                    </a:p>
+                  </a:txBody>
+                  <a:tcPr/>
+                </a:tc>
+                <a:tc>
+                  <a:txBody>
+                    <a:bodyPr/>
+                    <a:lstStyle/>
+                    <a:p>
+                      <a:r>
+                        <a:rPr lang="en-IN" i="1" dirty="0" smtClean="0"/>
+                        <a:t>name </a:t>
+                      </a:r>
+                      <a:r>
+                        <a:rPr lang="en-IN" dirty="0" smtClean="0"/>
+                        <a:t>is a file?</a:t>
+                      </a:r>
+                      <a:endParaRPr lang="en-US" dirty="0"/>
+                    </a:p>
+                  </a:txBody>
+                  <a:tcPr/>
+                </a:tc>
+              </a:tr>
+              <a:tr h="370840">
+                <a:tc>
+                  <a:txBody>
+                    <a:bodyPr/>
+                    <a:lstStyle/>
+                    <a:p>
+                      <a:r>
+                        <a:rPr lang="en-IN" dirty="0" smtClean="0"/>
+                        <a:t>-d “</a:t>
+                      </a:r>
+                      <a:r>
+                        <a:rPr lang="en-IN" i="1" dirty="0" smtClean="0"/>
+                        <a:t>name</a:t>
+                      </a:r>
+                      <a:r>
+                        <a:rPr lang="en-IN" dirty="0" smtClean="0"/>
+                        <a:t>”</a:t>
+                      </a:r>
+                      <a:endParaRPr lang="en-US" dirty="0"/>
+                    </a:p>
+                  </a:txBody>
+                  <a:tcPr/>
+                </a:tc>
+                <a:tc>
+                  <a:txBody>
+                    <a:bodyPr/>
+                    <a:lstStyle/>
+                    <a:p>
+                      <a:r>
+                        <a:rPr lang="en-IN" i="1" dirty="0" smtClean="0"/>
+                        <a:t>name  </a:t>
+                      </a:r>
+                      <a:r>
+                        <a:rPr lang="en-IN" dirty="0" smtClean="0"/>
+                        <a:t>is a DIR?</a:t>
+                      </a:r>
+                      <a:endParaRPr lang="en-US" dirty="0"/>
+                    </a:p>
+                  </a:txBody>
+                  <a:tcPr/>
+                </a:tc>
+              </a:tr>
+              <a:tr h="370840">
+                <a:tc>
+                  <a:txBody>
+                    <a:bodyPr/>
+                    <a:lstStyle/>
+                    <a:p>
+                      <a:r>
+                        <a:rPr lang="en-IN" dirty="0" smtClean="0"/>
+                        <a:t>-s “</a:t>
+                      </a:r>
+                      <a:r>
+                        <a:rPr lang="en-IN" i="1" dirty="0" smtClean="0"/>
+                        <a:t>name</a:t>
+                      </a:r>
+                      <a:r>
+                        <a:rPr lang="en-IN" dirty="0" smtClean="0"/>
+                        <a:t>”</a:t>
+                      </a:r>
+                      <a:endParaRPr lang="en-US" dirty="0"/>
+                    </a:p>
+                  </a:txBody>
+                  <a:tcPr/>
+                </a:tc>
+                <a:tc>
+                  <a:txBody>
+                    <a:bodyPr/>
+                    <a:lstStyle/>
+                    <a:p>
+                      <a:r>
+                        <a:rPr lang="en-IN" i="1" dirty="0" smtClean="0"/>
+                        <a:t>name </a:t>
+                      </a:r>
+                      <a:r>
+                        <a:rPr lang="en-IN" dirty="0" smtClean="0"/>
+                        <a:t>is non-zero size?</a:t>
+                      </a:r>
+                      <a:endParaRPr lang="en-US" dirty="0"/>
+                    </a:p>
+                  </a:txBody>
+                  <a:tcPr/>
+                </a:tc>
+              </a:tr>
+              <a:tr h="370840">
+                <a:tc>
+                  <a:txBody>
+                    <a:bodyPr/>
+                    <a:lstStyle/>
+                    <a:p>
+                      <a:r>
+                        <a:rPr lang="en-IN" dirty="0" smtClean="0"/>
+                        <a:t>-r “name”</a:t>
+                      </a:r>
+                      <a:endParaRPr lang="en-US" dirty="0"/>
+                    </a:p>
+                  </a:txBody>
+                  <a:tcPr/>
+                </a:tc>
+                <a:tc>
+                  <a:txBody>
+                    <a:bodyPr/>
+                    <a:lstStyle/>
+                    <a:p>
+                      <a:r>
+                        <a:rPr lang="en-IN" i="1" dirty="0" smtClean="0"/>
+                        <a:t>name </a:t>
+                      </a:r>
+                      <a:r>
+                        <a:rPr lang="en-IN" dirty="0" smtClean="0"/>
+                        <a:t>is readable?</a:t>
+                      </a:r>
+                      <a:endParaRPr lang="en-US" dirty="0"/>
+                    </a:p>
+                  </a:txBody>
+                  <a:tcPr/>
+                </a:tc>
+              </a:tr>
+              <a:tr h="370840">
+                <a:tc>
+                  <a:txBody>
+                    <a:bodyPr/>
+                    <a:lstStyle/>
+                    <a:p>
+                      <a:r>
+                        <a:rPr lang="en-IN" dirty="0" smtClean="0"/>
+                        <a:t>-w “name”</a:t>
+                      </a:r>
+                      <a:endParaRPr lang="en-US" dirty="0"/>
+                    </a:p>
+                  </a:txBody>
+                  <a:tcPr/>
+                </a:tc>
+                <a:tc>
+                  <a:txBody>
+                    <a:bodyPr/>
+                    <a:lstStyle/>
+                    <a:p>
+                      <a:r>
+                        <a:rPr lang="en-IN" i="1" dirty="0" smtClean="0"/>
+                        <a:t>name </a:t>
+                      </a:r>
+                      <a:r>
+                        <a:rPr lang="en-IN" baseline="0" dirty="0" smtClean="0"/>
+                        <a:t>is writable?</a:t>
+                      </a:r>
+                      <a:endParaRPr lang="en-US" dirty="0"/>
+                    </a:p>
+                  </a:txBody>
+                  <a:tcPr/>
+                </a:tc>
+              </a:tr>
+              <a:tr h="370840">
+                <a:tc>
+                  <a:txBody>
+                    <a:bodyPr/>
+                    <a:lstStyle/>
+                    <a:p>
+                      <a:r>
+                        <a:rPr lang="en-IN" dirty="0" smtClean="0"/>
+                        <a:t>-x “name”</a:t>
+                      </a:r>
+                      <a:endParaRPr lang="en-US" dirty="0"/>
+                    </a:p>
+                  </a:txBody>
+                  <a:tcPr/>
+                </a:tc>
+                <a:tc>
+                  <a:txBody>
+                    <a:bodyPr/>
+                    <a:lstStyle/>
+                    <a:p>
+                      <a:r>
+                        <a:rPr lang="en-IN" i="1" dirty="0" smtClean="0"/>
+                        <a:t>name </a:t>
+                      </a:r>
+                      <a:r>
+                        <a:rPr lang="en-IN" dirty="0" smtClean="0"/>
+                        <a:t>is executable?</a:t>
+                      </a:r>
+                      <a:endParaRPr lang="en-US" dirty="0"/>
+                    </a:p>
+                  </a:txBody>
+                  <a:tcPr/>
+                </a:tc>
+              </a:tr>
+            </a:tbl>
+          </a:graphicData>
+        </a:graphic>
+      </p:graphicFrame>
+      <p:sp>
+        <p:nvSpPr>
+          <p:cNvPr id="6" name="Content Placeholder 5"/>
+          <p:cNvSpPr>
+            <a:spLocks noGrp="1"/>
+          </p:cNvSpPr>
+          <p:nvPr>
+            <p:ph sz="half" idx="2"/>
+          </p:nvPr>
+        </p:nvSpPr>
+        <p:spPr/>
+        <p:txBody>
+          <a:bodyPr/>
+          <a:lstStyle/>
+          <a:p>
+            <a:endParaRPr lang="en-US"/>
+          </a:p>
+        </p:txBody>
+      </p:sp>
+      <p:pic>
+        <p:nvPicPr>
+          <p:cNvPr id="17410" name="Picture 2"/>
+          <p:cNvPicPr>
+            <a:picLocks noChangeAspect="1" noChangeArrowheads="1"/>
+          </p:cNvPicPr>
+          <p:nvPr/>
+        </p:nvPicPr>
+        <p:blipFill>
+          <a:blip r:embed="rId2" cstate="print"/>
+          <a:srcRect/>
+          <a:stretch>
+            <a:fillRect/>
+          </a:stretch>
+        </p:blipFill>
+        <p:spPr bwMode="auto">
+          <a:xfrm>
+            <a:off x="4512353" y="1020491"/>
+            <a:ext cx="4514915" cy="3957453"/>
+          </a:xfrm>
+          <a:prstGeom prst="rect">
+            <a:avLst/>
+          </a:prstGeom>
+          <a:noFill/>
+          <a:ln w="9525">
+            <a:noFill/>
+            <a:miter lim="800000"/>
+            <a:headEnd/>
+            <a:tailEnd/>
+          </a:ln>
+        </p:spPr>
+      </p:pic>
+    </p:spTree>
+  </p:cSld>
+  <p:clrMapOvr>
+    <a:masterClrMapping/>
+  </p:clrMapOvr>
+</p:sld>
+</file>
+
+<file path=ppt/slides/slide22.xml><?xml version="1.0" encoding="utf-8"?>
+<p:sld xmlns:a="http://schemas.openxmlformats.org/drawingml/2006/main" xmlns:r="http://schemas.openxmlformats.org/officeDocument/2006/relationships" xmlns:p="http://schemas.openxmlformats.org/presentationml/2006/main">
+  <p:cSld>
+    <p:spTree>
+      <p:nvGrpSpPr>
+        <p:cNvPr id="1" name=""/>
+        <p:cNvGrpSpPr/>
+        <p:nvPr/>
+      </p:nvGrpSpPr>
+      <p:grpSpPr>
+        <a:xfrm>
+          <a:off x="0" y="0"/>
+          <a:ext cx="0" cy="0"/>
+          <a:chOff x="0" y="0"/>
+          <a:chExt cx="0" cy="0"/>
+        </a:xfrm>
+      </p:grpSpPr>
+      <p:sp>
+        <p:nvSpPr>
+          <p:cNvPr id="2" name="Title 1"/>
+          <p:cNvSpPr>
+            <a:spLocks noGrp="1"/>
+          </p:cNvSpPr>
+          <p:nvPr>
+            <p:ph type="title"/>
+          </p:nvPr>
+        </p:nvSpPr>
+        <p:spPr/>
+        <p:txBody>
+          <a:bodyPr/>
+          <a:lstStyle/>
+          <a:p>
+            <a:r>
+              <a:rPr lang="en-IN" dirty="0" smtClean="0"/>
+              <a:t>More functions </a:t>
+            </a:r>
+            <a:endParaRPr lang="en-US" dirty="0"/>
+          </a:p>
+        </p:txBody>
+      </p:sp>
+      <p:sp>
+        <p:nvSpPr>
+          <p:cNvPr id="3" name="Content Placeholder 2"/>
+          <p:cNvSpPr>
+            <a:spLocks noGrp="1"/>
+          </p:cNvSpPr>
+          <p:nvPr>
+            <p:ph idx="1"/>
+          </p:nvPr>
+        </p:nvSpPr>
+        <p:spPr/>
+        <p:txBody>
+          <a:bodyPr/>
+          <a:lstStyle/>
+          <a:p>
+            <a:r>
+              <a:rPr lang="en-IN" dirty="0" smtClean="0"/>
+              <a:t>unlink()</a:t>
+            </a:r>
+          </a:p>
+          <a:p>
+            <a:r>
+              <a:rPr lang="en-IN" dirty="0" err="1" smtClean="0"/>
+              <a:t>mkdir</a:t>
+            </a:r>
+            <a:r>
+              <a:rPr lang="en-IN" dirty="0" smtClean="0"/>
+              <a:t>()</a:t>
+            </a:r>
+          </a:p>
+          <a:p>
+            <a:r>
+              <a:rPr lang="en-IN" dirty="0" err="1" smtClean="0"/>
+              <a:t>chdir</a:t>
+            </a:r>
+            <a:r>
+              <a:rPr lang="en-IN" dirty="0" smtClean="0"/>
+              <a:t>()</a:t>
+            </a:r>
+          </a:p>
+          <a:p>
+            <a:r>
+              <a:rPr lang="en-IN" dirty="0" smtClean="0"/>
+              <a:t>rename()</a:t>
+            </a:r>
+            <a:endParaRPr lang="en-US" dirty="0"/>
+          </a:p>
+        </p:txBody>
+      </p:sp>
+    </p:spTree>
+  </p:cSld>
+  <p:clrMapOvr>
+    <a:masterClrMapping/>
+  </p:clrMapOvr>
+</p:sld>
+</file>
+
+<file path=ppt/slides/slide23.xml><?xml version="1.0" encoding="utf-8"?>
+<p:sld xmlns:a="http://schemas.openxmlformats.org/drawingml/2006/main" xmlns:r="http://schemas.openxmlformats.org/officeDocument/2006/relationships" xmlns:p="http://schemas.openxmlformats.org/presentationml/2006/main">
+  <p:cSld>
+    <p:spTree>
+      <p:nvGrpSpPr>
+        <p:cNvPr id="1" name=""/>
+        <p:cNvGrpSpPr/>
+        <p:nvPr/>
+      </p:nvGrpSpPr>
+      <p:grpSpPr>
+        <a:xfrm>
+          <a:off x="0" y="0"/>
+          <a:ext cx="0" cy="0"/>
+          <a:chOff x="0" y="0"/>
+          <a:chExt cx="0" cy="0"/>
+        </a:xfrm>
+      </p:grpSpPr>
+      <p:sp>
+        <p:nvSpPr>
+          <p:cNvPr id="4" name="Rectangle 3"/>
+          <p:cNvSpPr/>
+          <p:nvPr/>
+        </p:nvSpPr>
+        <p:spPr>
+          <a:xfrm>
+            <a:off x="2748426" y="2110085"/>
+            <a:ext cx="3647152" cy="923330"/>
+          </a:xfrm>
+          <a:prstGeom prst="rect">
+            <a:avLst/>
+          </a:prstGeom>
+          <a:noFill/>
+        </p:spPr>
+        <p:txBody>
+          <a:bodyPr wrap="none" lIns="91440" tIns="45720" rIns="91440" bIns="45720">
+            <a:spAutoFit/>
+          </a:bodyPr>
+          <a:lstStyle/>
+          <a:p>
+            <a:pPr algn="ctr"/>
+            <a:r>
+              <a:rPr lang="en-US" sz="5400" b="1" cap="none" spc="0" dirty="0" smtClean="0">
+                <a:ln w="10541" cmpd="sng">
+                  <a:solidFill>
+                    <a:schemeClr val="accent1">
+                      <a:shade val="88000"/>
+                      <a:satMod val="110000"/>
+                    </a:schemeClr>
+                  </a:solidFill>
+                  <a:prstDash val="solid"/>
+                </a:ln>
+                <a:gradFill>
+                  <a:gsLst>
+                    <a:gs pos="0">
+                      <a:schemeClr val="accent1">
+                        <a:tint val="40000"/>
+                        <a:satMod val="250000"/>
+                      </a:schemeClr>
+                    </a:gs>
+                    <a:gs pos="9000">
+                      <a:schemeClr val="accent1">
+                        <a:tint val="52000"/>
+                        <a:satMod val="300000"/>
+                      </a:schemeClr>
+                    </a:gs>
+                    <a:gs pos="50000">
+                      <a:schemeClr val="accent1">
+                        <a:shade val="20000"/>
+                        <a:satMod val="300000"/>
+                      </a:schemeClr>
+                    </a:gs>
+                    <a:gs pos="79000">
+                      <a:schemeClr val="accent1">
+                        <a:tint val="52000"/>
+                        <a:satMod val="300000"/>
+                      </a:schemeClr>
+                    </a:gs>
+                    <a:gs pos="100000">
+                      <a:schemeClr val="accent1">
+                        <a:tint val="40000"/>
+                        <a:satMod val="250000"/>
+                      </a:schemeClr>
+                    </a:gs>
+                  </a:gsLst>
+                  <a:lin ang="5400000"/>
+                </a:gradFill>
+                <a:effectLst/>
+              </a:rPr>
+              <a:t>Thank you</a:t>
+            </a:r>
+            <a:endParaRPr lang="en-US" sz="5400" b="1" cap="none" spc="0" dirty="0">
+              <a:ln w="10541" cmpd="sng">
+                <a:solidFill>
+                  <a:schemeClr val="accent1">
+                    <a:shade val="88000"/>
+                    <a:satMod val="110000"/>
+                  </a:schemeClr>
+                </a:solidFill>
+                <a:prstDash val="solid"/>
+              </a:ln>
+              <a:gradFill>
+                <a:gsLst>
+                  <a:gs pos="0">
+                    <a:schemeClr val="accent1">
+                      <a:tint val="40000"/>
+                      <a:satMod val="250000"/>
+                    </a:schemeClr>
+                  </a:gs>
+                  <a:gs pos="9000">
+                    <a:schemeClr val="accent1">
+                      <a:tint val="52000"/>
+                      <a:satMod val="300000"/>
+                    </a:schemeClr>
+                  </a:gs>
+                  <a:gs pos="50000">
+                    <a:schemeClr val="accent1">
+                      <a:shade val="20000"/>
+                      <a:satMod val="300000"/>
+                    </a:schemeClr>
+                  </a:gs>
+                  <a:gs pos="79000">
+                    <a:schemeClr val="accent1">
+                      <a:tint val="52000"/>
+                      <a:satMod val="300000"/>
+                    </a:schemeClr>
+                  </a:gs>
+                  <a:gs pos="100000">
+                    <a:schemeClr val="accent1">
+                      <a:tint val="40000"/>
+                      <a:satMod val="250000"/>
+                    </a:schemeClr>
+                  </a:gs>
+                </a:gsLst>
+                <a:lin ang="5400000"/>
+              </a:gradFill>
+              <a:effectLst/>
+            </a:endParaRPr>
           </a:p>
         </p:txBody>
       </p:sp>
@@ -3647,7 +5713,11 @@
           <a:bodyPr/>
           <a:lstStyle/>
           <a:p>
-            <a:endParaRPr lang="en-US"/>
+            <a:r>
+              <a:rPr lang="en-IN" dirty="0" err="1" smtClean="0"/>
+              <a:t>Filehandles</a:t>
+            </a:r>
+            <a:endParaRPr lang="en-US" dirty="0"/>
           </a:p>
         </p:txBody>
       </p:sp>
@@ -3666,10 +5736,1004 @@
           <a:bodyPr/>
           <a:lstStyle/>
           <a:p>
-            <a:endParaRPr lang="en-US"/>
-          </a:p>
-        </p:txBody>
-      </p:sp>
+            <a:r>
+              <a:rPr lang="en-IN" dirty="0" smtClean="0"/>
+              <a:t>Reading and writing a file stored on disk is very essential for any computer program</a:t>
+            </a:r>
+          </a:p>
+          <a:p>
+            <a:r>
+              <a:rPr lang="en-IN" dirty="0" smtClean="0"/>
+              <a:t>Perl uses </a:t>
+            </a:r>
+            <a:r>
+              <a:rPr lang="en-IN" b="1" dirty="0" err="1" smtClean="0"/>
+              <a:t>Filehandles</a:t>
+            </a:r>
+            <a:r>
+              <a:rPr lang="en-IN" dirty="0" smtClean="0"/>
+              <a:t> to represent an opened file.</a:t>
+            </a:r>
+          </a:p>
+          <a:p>
+            <a:r>
+              <a:rPr lang="en-IN" dirty="0" smtClean="0"/>
+              <a:t> </a:t>
+            </a:r>
+            <a:r>
+              <a:rPr lang="en-IN" dirty="0" smtClean="0"/>
+              <a:t>Files and hardware can be represented as </a:t>
+            </a:r>
+            <a:r>
+              <a:rPr lang="en-IN" dirty="0" err="1" smtClean="0"/>
+              <a:t>filehandles</a:t>
+            </a:r>
+            <a:endParaRPr lang="en-IN" dirty="0" smtClean="0"/>
+          </a:p>
+          <a:p>
+            <a:r>
+              <a:rPr lang="en-IN" dirty="0" err="1" smtClean="0"/>
+              <a:t>Filehandle</a:t>
+            </a:r>
+            <a:r>
+              <a:rPr lang="en-IN" dirty="0" smtClean="0"/>
+              <a:t> is also a data type in Perl</a:t>
+            </a:r>
+          </a:p>
+          <a:p>
+            <a:endParaRPr lang="en-US" dirty="0"/>
+          </a:p>
+        </p:txBody>
+      </p:sp>
+      <p:pic>
+        <p:nvPicPr>
+          <p:cNvPr id="1026" name="Picture 2"/>
+          <p:cNvPicPr>
+            <a:picLocks noChangeAspect="1" noChangeArrowheads="1"/>
+          </p:cNvPicPr>
+          <p:nvPr/>
+        </p:nvPicPr>
+        <p:blipFill>
+          <a:blip r:embed="rId2" cstate="print"/>
+          <a:srcRect/>
+          <a:stretch>
+            <a:fillRect/>
+          </a:stretch>
+        </p:blipFill>
+        <p:spPr bwMode="auto">
+          <a:xfrm>
+            <a:off x="676174" y="3319564"/>
+            <a:ext cx="7324725" cy="1600200"/>
+          </a:xfrm>
+          <a:prstGeom prst="rect">
+            <a:avLst/>
+          </a:prstGeom>
+          <a:noFill/>
+          <a:ln w="9525">
+            <a:noFill/>
+            <a:miter lim="800000"/>
+            <a:headEnd/>
+            <a:tailEnd/>
+          </a:ln>
+        </p:spPr>
+      </p:pic>
+    </p:spTree>
+  </p:cSld>
+  <p:clrMapOvr>
+    <a:masterClrMapping/>
+  </p:clrMapOvr>
+</p:sld>
+</file>
+
+<file path=ppt/slides/slide4.xml><?xml version="1.0" encoding="utf-8"?>
+<p:sld xmlns:a="http://schemas.openxmlformats.org/drawingml/2006/main" xmlns:r="http://schemas.openxmlformats.org/officeDocument/2006/relationships" xmlns:p="http://schemas.openxmlformats.org/presentationml/2006/main">
+  <p:cSld>
+    <p:spTree>
+      <p:nvGrpSpPr>
+        <p:cNvPr id="1" name=""/>
+        <p:cNvGrpSpPr/>
+        <p:nvPr/>
+      </p:nvGrpSpPr>
+      <p:grpSpPr>
+        <a:xfrm>
+          <a:off x="0" y="0"/>
+          <a:ext cx="0" cy="0"/>
+          <a:chOff x="0" y="0"/>
+          <a:chExt cx="0" cy="0"/>
+        </a:xfrm>
+      </p:grpSpPr>
+      <p:sp>
+        <p:nvSpPr>
+          <p:cNvPr id="2" name="Title 1"/>
+          <p:cNvSpPr>
+            <a:spLocks noGrp="1"/>
+          </p:cNvSpPr>
+          <p:nvPr>
+            <p:ph type="title"/>
+          </p:nvPr>
+        </p:nvSpPr>
+        <p:spPr/>
+        <p:txBody>
+          <a:bodyPr/>
+          <a:lstStyle/>
+          <a:p>
+            <a:r>
+              <a:rPr lang="en-US" dirty="0" smtClean="0"/>
+              <a:t>STDIN, STDOUT and STDERR</a:t>
+            </a:r>
+            <a:endParaRPr lang="en-US" dirty="0"/>
+          </a:p>
+        </p:txBody>
+      </p:sp>
+      <p:sp>
+        <p:nvSpPr>
+          <p:cNvPr id="3" name="Content Placeholder 2"/>
+          <p:cNvSpPr>
+            <a:spLocks noGrp="1"/>
+          </p:cNvSpPr>
+          <p:nvPr>
+            <p:ph idx="1"/>
+          </p:nvPr>
+        </p:nvSpPr>
+        <p:spPr/>
+        <p:txBody>
+          <a:bodyPr>
+            <a:normAutofit/>
+          </a:bodyPr>
+          <a:lstStyle/>
+          <a:p>
+            <a:r>
+              <a:rPr lang="en-US" dirty="0" smtClean="0"/>
+              <a:t>3 predefined </a:t>
+            </a:r>
+            <a:r>
+              <a:rPr lang="en-US" dirty="0" err="1" smtClean="0"/>
+              <a:t>filehandles</a:t>
+            </a:r>
+            <a:r>
+              <a:rPr lang="en-US" dirty="0" smtClean="0"/>
+              <a:t> available for each program</a:t>
+            </a:r>
+          </a:p>
+          <a:p>
+            <a:r>
+              <a:rPr lang="en-GB" b="1" dirty="0" smtClean="0"/>
+              <a:t>STDIN </a:t>
+            </a:r>
+            <a:r>
+              <a:rPr lang="en-GB" b="1" dirty="0" smtClean="0"/>
+              <a:t>or standard </a:t>
+            </a:r>
+            <a:r>
+              <a:rPr lang="en-GB" b="1" dirty="0" smtClean="0"/>
+              <a:t>input</a:t>
+            </a:r>
+            <a:r>
+              <a:rPr lang="en-GB" dirty="0" smtClean="0"/>
+              <a:t> : </a:t>
+            </a:r>
+            <a:r>
+              <a:rPr lang="en-GB" dirty="0" err="1" smtClean="0"/>
+              <a:t>filehandle</a:t>
+            </a:r>
+            <a:r>
+              <a:rPr lang="en-GB" dirty="0" smtClean="0"/>
+              <a:t> from </a:t>
+            </a:r>
+            <a:r>
+              <a:rPr lang="en-GB" dirty="0" smtClean="0"/>
+              <a:t>which keyboard </a:t>
+            </a:r>
+            <a:r>
+              <a:rPr lang="en-GB" dirty="0" smtClean="0"/>
+              <a:t>inputs </a:t>
+            </a:r>
+            <a:r>
+              <a:rPr lang="en-GB" dirty="0" smtClean="0"/>
+              <a:t>can be read</a:t>
+            </a:r>
+            <a:r>
+              <a:rPr lang="en-GB" dirty="0" smtClean="0"/>
+              <a:t>.</a:t>
+            </a:r>
+          </a:p>
+          <a:p>
+            <a:r>
+              <a:rPr lang="en-GB" b="1" dirty="0" smtClean="0"/>
+              <a:t>STDOUT, or </a:t>
+            </a:r>
+            <a:r>
+              <a:rPr lang="en-GB" b="1" dirty="0" smtClean="0"/>
+              <a:t>standard output </a:t>
+            </a:r>
+            <a:r>
+              <a:rPr lang="en-GB" dirty="0" smtClean="0"/>
+              <a:t>: send </a:t>
+            </a:r>
+            <a:r>
+              <a:rPr lang="en-GB" dirty="0" smtClean="0"/>
+              <a:t>the </a:t>
+            </a:r>
+            <a:r>
+              <a:rPr lang="en-GB" dirty="0" smtClean="0"/>
+              <a:t>output </a:t>
+            </a:r>
+            <a:r>
+              <a:rPr lang="en-US" dirty="0" smtClean="0"/>
+              <a:t>of </a:t>
+            </a:r>
+            <a:r>
+              <a:rPr lang="en-US" dirty="0" smtClean="0"/>
+              <a:t>your </a:t>
+            </a:r>
+            <a:r>
+              <a:rPr lang="en-US" dirty="0" smtClean="0"/>
+              <a:t>program (on screen by default)</a:t>
+            </a:r>
+            <a:endParaRPr lang="en-IN" dirty="0" smtClean="0"/>
+          </a:p>
+          <a:p>
+            <a:r>
+              <a:rPr lang="en-GB" b="1" dirty="0" smtClean="0"/>
+              <a:t>STDERR, or standard </a:t>
+            </a:r>
+            <a:r>
+              <a:rPr lang="en-GB" b="1" dirty="0" smtClean="0"/>
+              <a:t>error</a:t>
+            </a:r>
+            <a:r>
+              <a:rPr lang="en-GB" dirty="0" smtClean="0"/>
+              <a:t>: used </a:t>
+            </a:r>
+            <a:r>
+              <a:rPr lang="en-GB" dirty="0" smtClean="0"/>
+              <a:t>for outputting warning or error </a:t>
+            </a:r>
+            <a:r>
+              <a:rPr lang="en-GB" dirty="0" smtClean="0"/>
+              <a:t>messages</a:t>
+            </a:r>
+            <a:endParaRPr lang="en-IN" dirty="0" smtClean="0"/>
+          </a:p>
+          <a:p>
+            <a:endParaRPr lang="en-US" dirty="0"/>
+          </a:p>
+        </p:txBody>
+      </p:sp>
+    </p:spTree>
+  </p:cSld>
+  <p:clrMapOvr>
+    <a:masterClrMapping/>
+  </p:clrMapOvr>
+</p:sld>
+</file>
+
+<file path=ppt/slides/slide5.xml><?xml version="1.0" encoding="utf-8"?>
+<p:sld xmlns:a="http://schemas.openxmlformats.org/drawingml/2006/main" xmlns:r="http://schemas.openxmlformats.org/officeDocument/2006/relationships" xmlns:p="http://schemas.openxmlformats.org/presentationml/2006/main">
+  <p:cSld>
+    <p:spTree>
+      <p:nvGrpSpPr>
+        <p:cNvPr id="1" name=""/>
+        <p:cNvGrpSpPr/>
+        <p:nvPr/>
+      </p:nvGrpSpPr>
+      <p:grpSpPr>
+        <a:xfrm>
+          <a:off x="0" y="0"/>
+          <a:ext cx="0" cy="0"/>
+          <a:chOff x="0" y="0"/>
+          <a:chExt cx="0" cy="0"/>
+        </a:xfrm>
+      </p:grpSpPr>
+      <p:pic>
+        <p:nvPicPr>
+          <p:cNvPr id="2050" name="Picture 2"/>
+          <p:cNvPicPr>
+            <a:picLocks noChangeAspect="1" noChangeArrowheads="1"/>
+          </p:cNvPicPr>
+          <p:nvPr/>
+        </p:nvPicPr>
+        <p:blipFill>
+          <a:blip r:embed="rId2" cstate="print"/>
+          <a:srcRect/>
+          <a:stretch>
+            <a:fillRect/>
+          </a:stretch>
+        </p:blipFill>
+        <p:spPr bwMode="auto">
+          <a:xfrm>
+            <a:off x="366611" y="559645"/>
+            <a:ext cx="8599856" cy="2971495"/>
+          </a:xfrm>
+          <a:prstGeom prst="rect">
+            <a:avLst/>
+          </a:prstGeom>
+          <a:noFill/>
+          <a:ln w="9525">
+            <a:noFill/>
+            <a:miter lim="800000"/>
+            <a:headEnd/>
+            <a:tailEnd/>
+          </a:ln>
+        </p:spPr>
+      </p:pic>
+    </p:spTree>
+  </p:cSld>
+  <p:clrMapOvr>
+    <a:masterClrMapping/>
+  </p:clrMapOvr>
+</p:sld>
+</file>
+
+<file path=ppt/slides/slide6.xml><?xml version="1.0" encoding="utf-8"?>
+<p:sld xmlns:a="http://schemas.openxmlformats.org/drawingml/2006/main" xmlns:r="http://schemas.openxmlformats.org/officeDocument/2006/relationships" xmlns:p="http://schemas.openxmlformats.org/presentationml/2006/main">
+  <p:cSld>
+    <p:spTree>
+      <p:nvGrpSpPr>
+        <p:cNvPr id="1" name=""/>
+        <p:cNvGrpSpPr/>
+        <p:nvPr/>
+      </p:nvGrpSpPr>
+      <p:grpSpPr>
+        <a:xfrm>
+          <a:off x="0" y="0"/>
+          <a:ext cx="0" cy="0"/>
+          <a:chOff x="0" y="0"/>
+          <a:chExt cx="0" cy="0"/>
+        </a:xfrm>
+      </p:grpSpPr>
+      <p:sp>
+        <p:nvSpPr>
+          <p:cNvPr id="2" name="Title 1"/>
+          <p:cNvSpPr>
+            <a:spLocks noGrp="1"/>
+          </p:cNvSpPr>
+          <p:nvPr>
+            <p:ph type="title"/>
+          </p:nvPr>
+        </p:nvSpPr>
+        <p:spPr/>
+        <p:txBody>
+          <a:bodyPr/>
+          <a:lstStyle/>
+          <a:p>
+            <a:r>
+              <a:rPr lang="en-IN" dirty="0" smtClean="0"/>
+              <a:t>open() : open a file as stream</a:t>
+            </a:r>
+            <a:endParaRPr lang="en-US" dirty="0"/>
+          </a:p>
+        </p:txBody>
+      </p:sp>
+      <p:sp>
+        <p:nvSpPr>
+          <p:cNvPr id="3" name="Content Placeholder 2"/>
+          <p:cNvSpPr>
+            <a:spLocks noGrp="1"/>
+          </p:cNvSpPr>
+          <p:nvPr>
+            <p:ph idx="1"/>
+          </p:nvPr>
+        </p:nvSpPr>
+        <p:spPr/>
+        <p:txBody>
+          <a:bodyPr/>
+          <a:lstStyle/>
+          <a:p>
+            <a:r>
+              <a:rPr lang="en-IN" dirty="0" smtClean="0"/>
+              <a:t>Syntax: open FILEHANDLE, “/path/to/file”</a:t>
+            </a:r>
+          </a:p>
+          <a:p>
+            <a:r>
+              <a:rPr lang="en-GB" dirty="0" smtClean="0"/>
+              <a:t>By convention, </a:t>
+            </a:r>
+            <a:r>
+              <a:rPr lang="en-GB" dirty="0" err="1" smtClean="0"/>
+              <a:t>filehandles</a:t>
+            </a:r>
+            <a:r>
+              <a:rPr lang="en-GB" dirty="0" smtClean="0"/>
+              <a:t> </a:t>
+            </a:r>
+            <a:r>
+              <a:rPr lang="en-GB" dirty="0" smtClean="0"/>
+              <a:t>are in </a:t>
+            </a:r>
+            <a:r>
+              <a:rPr lang="en-GB" b="1" dirty="0" smtClean="0"/>
+              <a:t>all capital characters </a:t>
+            </a:r>
+            <a:r>
+              <a:rPr lang="en-GB" dirty="0" smtClean="0"/>
+              <a:t>to </a:t>
+            </a:r>
+            <a:r>
+              <a:rPr lang="en-GB" dirty="0" smtClean="0"/>
+              <a:t>make them </a:t>
+            </a:r>
+            <a:r>
+              <a:rPr lang="en-GB" dirty="0" smtClean="0"/>
+              <a:t>visually </a:t>
+            </a:r>
+            <a:r>
+              <a:rPr lang="en-GB" dirty="0" smtClean="0"/>
+              <a:t>stand out </a:t>
+            </a:r>
+            <a:r>
+              <a:rPr lang="en-GB" dirty="0" smtClean="0"/>
+              <a:t>from </a:t>
+            </a:r>
+            <a:r>
+              <a:rPr lang="en-GB" dirty="0" smtClean="0"/>
+              <a:t>names</a:t>
+            </a:r>
+          </a:p>
+          <a:p>
+            <a:r>
+              <a:rPr lang="en-GB" dirty="0" smtClean="0"/>
+              <a:t>Returns 1 on successful, otherwise 0 if fails to open.</a:t>
+            </a:r>
+          </a:p>
+          <a:p>
+            <a:endParaRPr lang="en-US" dirty="0"/>
+          </a:p>
+        </p:txBody>
+      </p:sp>
+      <p:pic>
+        <p:nvPicPr>
+          <p:cNvPr id="4098" name="Picture 2"/>
+          <p:cNvPicPr>
+            <a:picLocks noChangeAspect="1" noChangeArrowheads="1"/>
+          </p:cNvPicPr>
+          <p:nvPr/>
+        </p:nvPicPr>
+        <p:blipFill>
+          <a:blip r:embed="rId2" cstate="print"/>
+          <a:srcRect/>
+          <a:stretch>
+            <a:fillRect/>
+          </a:stretch>
+        </p:blipFill>
+        <p:spPr bwMode="auto">
+          <a:xfrm>
+            <a:off x="0" y="3624364"/>
+            <a:ext cx="9144000" cy="1077951"/>
+          </a:xfrm>
+          <a:prstGeom prst="rect">
+            <a:avLst/>
+          </a:prstGeom>
+          <a:noFill/>
+          <a:ln w="9525">
+            <a:noFill/>
+            <a:miter lim="800000"/>
+            <a:headEnd/>
+            <a:tailEnd/>
+          </a:ln>
+        </p:spPr>
+      </p:pic>
+    </p:spTree>
+  </p:cSld>
+  <p:clrMapOvr>
+    <a:masterClrMapping/>
+  </p:clrMapOvr>
+</p:sld>
+</file>
+
+<file path=ppt/slides/slide7.xml><?xml version="1.0" encoding="utf-8"?>
+<p:sld xmlns:a="http://schemas.openxmlformats.org/drawingml/2006/main" xmlns:r="http://schemas.openxmlformats.org/officeDocument/2006/relationships" xmlns:p="http://schemas.openxmlformats.org/presentationml/2006/main">
+  <p:cSld>
+    <p:spTree>
+      <p:nvGrpSpPr>
+        <p:cNvPr id="1" name=""/>
+        <p:cNvGrpSpPr/>
+        <p:nvPr/>
+      </p:nvGrpSpPr>
+      <p:grpSpPr>
+        <a:xfrm>
+          <a:off x="0" y="0"/>
+          <a:ext cx="0" cy="0"/>
+          <a:chOff x="0" y="0"/>
+          <a:chExt cx="0" cy="0"/>
+        </a:xfrm>
+      </p:grpSpPr>
+      <p:sp>
+        <p:nvSpPr>
+          <p:cNvPr id="2" name="Title 1"/>
+          <p:cNvSpPr>
+            <a:spLocks noGrp="1"/>
+          </p:cNvSpPr>
+          <p:nvPr>
+            <p:ph type="title"/>
+          </p:nvPr>
+        </p:nvSpPr>
+        <p:spPr/>
+        <p:txBody>
+          <a:bodyPr/>
+          <a:lstStyle/>
+          <a:p>
+            <a:r>
+              <a:rPr lang="en-IN" dirty="0" smtClean="0"/>
+              <a:t>close() : close a file stream</a:t>
+            </a:r>
+            <a:endParaRPr lang="en-US" dirty="0"/>
+          </a:p>
+        </p:txBody>
+      </p:sp>
+      <p:sp>
+        <p:nvSpPr>
+          <p:cNvPr id="3" name="Content Placeholder 2"/>
+          <p:cNvSpPr>
+            <a:spLocks noGrp="1"/>
+          </p:cNvSpPr>
+          <p:nvPr>
+            <p:ph idx="1"/>
+          </p:nvPr>
+        </p:nvSpPr>
+        <p:spPr/>
+        <p:txBody>
+          <a:bodyPr/>
+          <a:lstStyle/>
+          <a:p>
+            <a:r>
+              <a:rPr lang="en-GB" dirty="0" smtClean="0"/>
+              <a:t>At the end, when you have </a:t>
+            </a:r>
+            <a:r>
+              <a:rPr lang="en-GB" dirty="0" smtClean="0"/>
+              <a:t>finished </a:t>
+            </a:r>
+            <a:r>
+              <a:rPr lang="en-GB" dirty="0" smtClean="0"/>
+              <a:t>working with a </a:t>
+            </a:r>
+            <a:r>
+              <a:rPr lang="en-GB" dirty="0" err="1" smtClean="0"/>
+              <a:t>filehandle</a:t>
+            </a:r>
+            <a:r>
+              <a:rPr lang="en-GB" dirty="0" smtClean="0"/>
+              <a:t>, you should close</a:t>
+            </a:r>
+            <a:r>
+              <a:rPr lang="en-GB" dirty="0" smtClean="0"/>
+              <a:t>()</a:t>
+            </a:r>
+          </a:p>
+          <a:p>
+            <a:r>
+              <a:rPr lang="en-GB" dirty="0" smtClean="0"/>
+              <a:t>Syntax: close FILEHANDLE;</a:t>
+            </a:r>
+          </a:p>
+          <a:p>
+            <a:r>
+              <a:rPr lang="en-GB" dirty="0" smtClean="0"/>
+              <a:t>The file will be closed automatically when program exits, or </a:t>
+            </a:r>
+            <a:r>
+              <a:rPr lang="en-GB" dirty="0" smtClean="0"/>
+              <a:t>when </a:t>
+            </a:r>
+            <a:r>
+              <a:rPr lang="en-US" dirty="0" smtClean="0"/>
+              <a:t>the </a:t>
+            </a:r>
+            <a:r>
+              <a:rPr lang="en-US" dirty="0" smtClean="0"/>
+              <a:t>handle is </a:t>
+            </a:r>
+            <a:r>
+              <a:rPr lang="en-US" dirty="0" smtClean="0"/>
+              <a:t>reused</a:t>
+            </a:r>
+          </a:p>
+          <a:p>
+            <a:r>
+              <a:rPr lang="en-GB" dirty="0" smtClean="0"/>
+              <a:t>if the program crashes, the </a:t>
+            </a:r>
+            <a:r>
+              <a:rPr lang="en-GB" dirty="0" smtClean="0"/>
+              <a:t>data </a:t>
+            </a:r>
+            <a:r>
+              <a:rPr lang="en-US" dirty="0" smtClean="0"/>
+              <a:t>may </a:t>
+            </a:r>
+            <a:r>
+              <a:rPr lang="en-US" dirty="0" smtClean="0"/>
+              <a:t>be lost</a:t>
+            </a:r>
+            <a:endParaRPr lang="en-GB" dirty="0" smtClean="0"/>
+          </a:p>
+          <a:p>
+            <a:endParaRPr lang="en-US" dirty="0"/>
+          </a:p>
+        </p:txBody>
+      </p:sp>
+      <p:pic>
+        <p:nvPicPr>
+          <p:cNvPr id="5122" name="Picture 2"/>
+          <p:cNvPicPr>
+            <a:picLocks noChangeAspect="1" noChangeArrowheads="1"/>
+          </p:cNvPicPr>
+          <p:nvPr/>
+        </p:nvPicPr>
+        <p:blipFill>
+          <a:blip r:embed="rId2" cstate="print"/>
+          <a:srcRect/>
+          <a:stretch>
+            <a:fillRect/>
+          </a:stretch>
+        </p:blipFill>
+        <p:spPr bwMode="auto">
+          <a:xfrm>
+            <a:off x="0" y="3914775"/>
+            <a:ext cx="9191625" cy="1228725"/>
+          </a:xfrm>
+          <a:prstGeom prst="rect">
+            <a:avLst/>
+          </a:prstGeom>
+          <a:noFill/>
+          <a:ln w="9525">
+            <a:noFill/>
+            <a:miter lim="800000"/>
+            <a:headEnd/>
+            <a:tailEnd/>
+          </a:ln>
+        </p:spPr>
+      </p:pic>
+    </p:spTree>
+  </p:cSld>
+  <p:clrMapOvr>
+    <a:masterClrMapping/>
+  </p:clrMapOvr>
+</p:sld>
+</file>
+
+<file path=ppt/slides/slide8.xml><?xml version="1.0" encoding="utf-8"?>
+<p:sld xmlns:a="http://schemas.openxmlformats.org/drawingml/2006/main" xmlns:r="http://schemas.openxmlformats.org/officeDocument/2006/relationships" xmlns:p="http://schemas.openxmlformats.org/presentationml/2006/main">
+  <p:cSld>
+    <p:spTree>
+      <p:nvGrpSpPr>
+        <p:cNvPr id="1" name=""/>
+        <p:cNvGrpSpPr/>
+        <p:nvPr/>
+      </p:nvGrpSpPr>
+      <p:grpSpPr>
+        <a:xfrm>
+          <a:off x="0" y="0"/>
+          <a:ext cx="0" cy="0"/>
+          <a:chOff x="0" y="0"/>
+          <a:chExt cx="0" cy="0"/>
+        </a:xfrm>
+      </p:grpSpPr>
+      <p:sp>
+        <p:nvSpPr>
+          <p:cNvPr id="2" name="Title 1"/>
+          <p:cNvSpPr>
+            <a:spLocks noGrp="1"/>
+          </p:cNvSpPr>
+          <p:nvPr>
+            <p:ph type="title"/>
+          </p:nvPr>
+        </p:nvSpPr>
+        <p:spPr/>
+        <p:txBody>
+          <a:bodyPr/>
+          <a:lstStyle/>
+          <a:p>
+            <a:r>
+              <a:rPr lang="en-IN" dirty="0" smtClean="0"/>
+              <a:t>Define MODE of </a:t>
+            </a:r>
+            <a:r>
+              <a:rPr lang="en-IN" dirty="0" err="1" smtClean="0"/>
+              <a:t>filehandle</a:t>
+            </a:r>
+            <a:endParaRPr lang="en-US" dirty="0"/>
+          </a:p>
+        </p:txBody>
+      </p:sp>
+      <p:sp>
+        <p:nvSpPr>
+          <p:cNvPr id="3" name="Content Placeholder 2"/>
+          <p:cNvSpPr>
+            <a:spLocks noGrp="1"/>
+          </p:cNvSpPr>
+          <p:nvPr>
+            <p:ph idx="1"/>
+          </p:nvPr>
+        </p:nvSpPr>
+        <p:spPr/>
+        <p:txBody>
+          <a:bodyPr/>
+          <a:lstStyle/>
+          <a:p>
+            <a:r>
+              <a:rPr lang="en-IN" dirty="0" smtClean="0"/>
+              <a:t>Syntax: </a:t>
+            </a:r>
+            <a:r>
+              <a:rPr lang="en-IN" dirty="0" smtClean="0"/>
+              <a:t>open FILEHANDLE</a:t>
+            </a:r>
+            <a:r>
+              <a:rPr lang="en-IN" dirty="0" smtClean="0"/>
+              <a:t>, “</a:t>
+            </a:r>
+            <a:r>
+              <a:rPr lang="en-IN" dirty="0" smtClean="0">
+                <a:solidFill>
+                  <a:srgbClr val="FF0000"/>
+                </a:solidFill>
+              </a:rPr>
+              <a:t>MODE </a:t>
+            </a:r>
+            <a:r>
+              <a:rPr lang="en-IN" dirty="0" smtClean="0"/>
+              <a:t>/</a:t>
+            </a:r>
+            <a:r>
+              <a:rPr lang="en-IN" dirty="0" smtClean="0"/>
+              <a:t>path/to/file”</a:t>
+            </a:r>
+            <a:r>
+              <a:rPr lang="en-IN" dirty="0" smtClean="0"/>
+              <a:t> </a:t>
+            </a:r>
+            <a:endParaRPr lang="en-US" dirty="0"/>
+          </a:p>
+        </p:txBody>
+      </p:sp>
+      <p:pic>
+        <p:nvPicPr>
+          <p:cNvPr id="3074" name="Picture 2"/>
+          <p:cNvPicPr>
+            <a:picLocks noChangeAspect="1" noChangeArrowheads="1"/>
+          </p:cNvPicPr>
+          <p:nvPr/>
+        </p:nvPicPr>
+        <p:blipFill>
+          <a:blip r:embed="rId2" cstate="print"/>
+          <a:srcRect/>
+          <a:stretch>
+            <a:fillRect/>
+          </a:stretch>
+        </p:blipFill>
+        <p:spPr bwMode="auto">
+          <a:xfrm>
+            <a:off x="797669" y="1867710"/>
+            <a:ext cx="7661763" cy="2160000"/>
+          </a:xfrm>
+          <a:prstGeom prst="rect">
+            <a:avLst/>
+          </a:prstGeom>
+          <a:noFill/>
+          <a:ln w="9525">
+            <a:noFill/>
+            <a:miter lim="800000"/>
+            <a:headEnd/>
+            <a:tailEnd/>
+          </a:ln>
+        </p:spPr>
+      </p:pic>
+      <p:pic>
+        <p:nvPicPr>
+          <p:cNvPr id="3075" name="Picture 3"/>
+          <p:cNvPicPr>
+            <a:picLocks noChangeAspect="1" noChangeArrowheads="1"/>
+          </p:cNvPicPr>
+          <p:nvPr/>
+        </p:nvPicPr>
+        <p:blipFill>
+          <a:blip r:embed="rId3" cstate="print"/>
+          <a:srcRect/>
+          <a:stretch>
+            <a:fillRect/>
+          </a:stretch>
+        </p:blipFill>
+        <p:spPr bwMode="auto">
+          <a:xfrm>
+            <a:off x="0" y="4157424"/>
+            <a:ext cx="9144000" cy="835356"/>
+          </a:xfrm>
+          <a:prstGeom prst="rect">
+            <a:avLst/>
+          </a:prstGeom>
+          <a:noFill/>
+          <a:ln w="9525">
+            <a:noFill/>
+            <a:miter lim="800000"/>
+            <a:headEnd/>
+            <a:tailEnd/>
+          </a:ln>
+        </p:spPr>
+      </p:pic>
+      <p:sp>
+        <p:nvSpPr>
+          <p:cNvPr id="6" name="Left Arrow 5"/>
+          <p:cNvSpPr/>
+          <p:nvPr/>
+        </p:nvSpPr>
+        <p:spPr>
+          <a:xfrm>
+            <a:off x="5476352" y="2240782"/>
+            <a:ext cx="874206" cy="361741"/>
+          </a:xfrm>
+          <a:prstGeom prst="leftArrow">
+            <a:avLst/>
+          </a:prstGeom>
+          <a:solidFill>
+            <a:srgbClr val="FF0000"/>
+          </a:solidFill>
+          <a:ln>
+            <a:solidFill>
+              <a:srgbClr val="FF0000"/>
+            </a:solidFill>
+          </a:ln>
+        </p:spPr>
+        <p:style>
+          <a:lnRef idx="2">
+            <a:schemeClr val="accent1">
+              <a:shade val="50000"/>
+            </a:schemeClr>
+          </a:lnRef>
+          <a:fillRef idx="1">
+            <a:schemeClr val="accent1"/>
+          </a:fillRef>
+          <a:effectRef idx="0">
+            <a:schemeClr val="accent1"/>
+          </a:effectRef>
+          <a:fontRef idx="minor">
+            <a:schemeClr val="lt1"/>
+          </a:fontRef>
+        </p:style>
+        <p:txBody>
+          <a:bodyPr rtlCol="0" anchor="ctr"/>
+          <a:lstStyle/>
+          <a:p>
+            <a:pPr algn="ctr"/>
+            <a:r>
+              <a:rPr lang="en-IN" sz="1000" dirty="0" smtClean="0"/>
+              <a:t>Default</a:t>
+            </a:r>
+            <a:endParaRPr lang="en-US" sz="1000" dirty="0"/>
+          </a:p>
+        </p:txBody>
+      </p:sp>
+    </p:spTree>
+  </p:cSld>
+  <p:clrMapOvr>
+    <a:masterClrMapping/>
+  </p:clrMapOvr>
+</p:sld>
+</file>
+
+<file path=ppt/slides/slide9.xml><?xml version="1.0" encoding="utf-8"?>
+<p:sld xmlns:a="http://schemas.openxmlformats.org/drawingml/2006/main" xmlns:r="http://schemas.openxmlformats.org/officeDocument/2006/relationships" xmlns:p="http://schemas.openxmlformats.org/presentationml/2006/main">
+  <p:cSld>
+    <p:spTree>
+      <p:nvGrpSpPr>
+        <p:cNvPr id="1" name=""/>
+        <p:cNvGrpSpPr/>
+        <p:nvPr/>
+      </p:nvGrpSpPr>
+      <p:grpSpPr>
+        <a:xfrm>
+          <a:off x="0" y="0"/>
+          <a:ext cx="0" cy="0"/>
+          <a:chOff x="0" y="0"/>
+          <a:chExt cx="0" cy="0"/>
+        </a:xfrm>
+      </p:grpSpPr>
+      <p:sp>
+        <p:nvSpPr>
+          <p:cNvPr id="2" name="Title 1"/>
+          <p:cNvSpPr>
+            <a:spLocks noGrp="1"/>
+          </p:cNvSpPr>
+          <p:nvPr>
+            <p:ph type="title"/>
+          </p:nvPr>
+        </p:nvSpPr>
+        <p:spPr/>
+        <p:txBody>
+          <a:bodyPr/>
+          <a:lstStyle/>
+          <a:p>
+            <a:r>
+              <a:rPr lang="en-IN" dirty="0" smtClean="0"/>
+              <a:t>Common examples</a:t>
+            </a:r>
+            <a:endParaRPr lang="en-US" dirty="0"/>
+          </a:p>
+        </p:txBody>
+      </p:sp>
+      <p:sp>
+        <p:nvSpPr>
+          <p:cNvPr id="3" name="Content Placeholder 2"/>
+          <p:cNvSpPr>
+            <a:spLocks noGrp="1"/>
+          </p:cNvSpPr>
+          <p:nvPr>
+            <p:ph idx="1"/>
+          </p:nvPr>
+        </p:nvSpPr>
+        <p:spPr/>
+        <p:txBody>
+          <a:bodyPr/>
+          <a:lstStyle/>
+          <a:p>
+            <a:r>
+              <a:rPr lang="en-IN" dirty="0" smtClean="0"/>
+              <a:t>Open </a:t>
+            </a:r>
+            <a:r>
+              <a:rPr lang="en-IN" dirty="0" err="1" smtClean="0"/>
+              <a:t>filehandle</a:t>
+            </a:r>
+            <a:r>
+              <a:rPr lang="en-IN" dirty="0" smtClean="0"/>
+              <a:t> to write data</a:t>
+            </a:r>
+          </a:p>
+          <a:p>
+            <a:endParaRPr lang="en-IN" dirty="0" smtClean="0"/>
+          </a:p>
+          <a:p>
+            <a:endParaRPr lang="en-IN" dirty="0" smtClean="0"/>
+          </a:p>
+          <a:p>
+            <a:r>
+              <a:rPr lang="en-IN" dirty="0" smtClean="0"/>
+              <a:t>If a file with same name exists : overwrites !!!</a:t>
+            </a:r>
+          </a:p>
+          <a:p>
+            <a:r>
+              <a:rPr lang="en-IN" dirty="0" smtClean="0"/>
+              <a:t>Otherwise : new file is created.</a:t>
+            </a:r>
+            <a:endParaRPr lang="en-US" dirty="0"/>
+          </a:p>
+        </p:txBody>
+      </p:sp>
+      <p:pic>
+        <p:nvPicPr>
+          <p:cNvPr id="6146" name="Picture 2"/>
+          <p:cNvPicPr>
+            <a:picLocks noChangeAspect="1" noChangeArrowheads="1"/>
+          </p:cNvPicPr>
+          <p:nvPr/>
+        </p:nvPicPr>
+        <p:blipFill>
+          <a:blip r:embed="rId2" cstate="print"/>
+          <a:srcRect/>
+          <a:stretch>
+            <a:fillRect/>
+          </a:stretch>
+        </p:blipFill>
+        <p:spPr bwMode="auto">
+          <a:xfrm>
+            <a:off x="970942" y="1746824"/>
+            <a:ext cx="6229350" cy="638175"/>
+          </a:xfrm>
+          <a:prstGeom prst="rect">
+            <a:avLst/>
+          </a:prstGeom>
+          <a:noFill/>
+          <a:ln w="9525">
+            <a:noFill/>
+            <a:miter lim="800000"/>
+            <a:headEnd/>
+            <a:tailEnd/>
+          </a:ln>
+        </p:spPr>
+      </p:pic>
     </p:spTree>
   </p:cSld>
   <p:clrMapOvr>

--- a/PPTs/Perl_file_handling.pptx
+++ b/PPTs/Perl_file_handling.pptx
@@ -27,7 +27,8 @@
     <p:sldId id="276" r:id="rId21"/>
     <p:sldId id="279" r:id="rId22"/>
     <p:sldId id="277" r:id="rId23"/>
-    <p:sldId id="278" r:id="rId24"/>
+    <p:sldId id="280" r:id="rId24"/>
+    <p:sldId id="278" r:id="rId25"/>
   </p:sldIdLst>
   <p:sldSz cx="9144000" cy="5143500" type="screen16x9"/>
   <p:notesSz cx="6858000" cy="9144000"/>
@@ -318,7 +319,7 @@
             <a:fld id="{C8A432C8-69A7-458B-9684-2BFA64B31948}" type="datetime2">
               <a:rPr lang="en-US" smtClean="0"/>
               <a:pPr/>
-              <a:t>Wednesday, May 31, 2017</a:t>
+              <a:t>Tuesday, June 06, 2017</a:t>
             </a:fld>
             <a:endParaRPr lang="en-US"/>
           </a:p>
@@ -521,7 +522,7 @@
             <a:fld id="{8CC057FC-95B6-4D89-AFDA-ABA33EE921E5}" type="datetime2">
               <a:rPr lang="en-US" smtClean="0"/>
               <a:pPr/>
-              <a:t>Wednesday, May 31, 2017</a:t>
+              <a:t>Tuesday, June 06, 2017</a:t>
             </a:fld>
             <a:endParaRPr lang="en-US"/>
           </a:p>
@@ -699,7 +700,7 @@
             <a:fld id="{EC4549AC-EB31-477F-92A9-B1988E232878}" type="datetime2">
               <a:rPr lang="en-US" smtClean="0"/>
               <a:pPr/>
-              <a:t>Wednesday, May 31, 2017</a:t>
+              <a:t>Tuesday, June 06, 2017</a:t>
             </a:fld>
             <a:endParaRPr lang="en-US"/>
           </a:p>
@@ -867,7 +868,7 @@
             <a:fld id="{6396A3A3-94A6-4E5B-AF39-173ACA3E61CC}" type="datetime2">
               <a:rPr lang="en-US" smtClean="0"/>
               <a:pPr/>
-              <a:t>Wednesday, May 31, 2017</a:t>
+              <a:t>Tuesday, June 06, 2017</a:t>
             </a:fld>
             <a:endParaRPr lang="en-US"/>
           </a:p>
@@ -1118,7 +1119,7 @@
             <a:fld id="{9933D019-A32C-4EAD-B8E6-DBDA699692FD}" type="datetime2">
               <a:rPr lang="en-US" smtClean="0"/>
               <a:pPr/>
-              <a:t>Wednesday, May 31, 2017</a:t>
+              <a:t>Tuesday, June 06, 2017</a:t>
             </a:fld>
             <a:endParaRPr lang="en-US"/>
           </a:p>
@@ -1439,7 +1440,7 @@
             <a:fld id="{CCEBA98F-560C-4997-81C4-81D4D9187EAB}" type="datetime2">
               <a:rPr lang="en-US" smtClean="0"/>
               <a:pPr/>
-              <a:t>Wednesday, May 31, 2017</a:t>
+              <a:t>Tuesday, June 06, 2017</a:t>
             </a:fld>
             <a:endParaRPr lang="en-US"/>
           </a:p>
@@ -1908,7 +1909,7 @@
             <a:fld id="{150972B2-CA5C-437D-87D0-8081271A9E4B}" type="datetime2">
               <a:rPr lang="en-US" smtClean="0"/>
               <a:pPr/>
-              <a:t>Wednesday, May 31, 2017</a:t>
+              <a:t>Tuesday, June 06, 2017</a:t>
             </a:fld>
             <a:endParaRPr lang="en-US"/>
           </a:p>
@@ -2059,7 +2060,7 @@
             <a:fld id="{79CD4847-11EF-4466-A8AD-85CDB7B49118}" type="datetime2">
               <a:rPr lang="en-US" smtClean="0"/>
               <a:pPr/>
-              <a:t>Wednesday, May 31, 2017</a:t>
+              <a:t>Tuesday, June 06, 2017</a:t>
             </a:fld>
             <a:endParaRPr lang="en-US"/>
           </a:p>
@@ -2152,7 +2153,7 @@
             <a:fld id="{F168457A-3AB9-4880-8A0C-9F8524491207}" type="datetime2">
               <a:rPr lang="en-US" smtClean="0"/>
               <a:pPr/>
-              <a:t>Wednesday, May 31, 2017</a:t>
+              <a:t>Tuesday, June 06, 2017</a:t>
             </a:fld>
             <a:endParaRPr lang="en-US"/>
           </a:p>
@@ -2429,7 +2430,7 @@
             <a:fld id="{3FE976D3-5B7F-4300-ABED-C91F1B2AE209}" type="datetime2">
               <a:rPr lang="en-US" smtClean="0"/>
               <a:pPr/>
-              <a:t>Wednesday, May 31, 2017</a:t>
+              <a:t>Tuesday, June 06, 2017</a:t>
             </a:fld>
             <a:endParaRPr lang="en-US"/>
           </a:p>
@@ -2737,7 +2738,7 @@
             <a:fld id="{EBDC1E59-17DD-41CE-97CA-624A472382D4}" type="datetime2">
               <a:rPr lang="en-US" smtClean="0"/>
               <a:pPr/>
-              <a:t>Wednesday, May 31, 2017</a:t>
+              <a:t>Tuesday, June 06, 2017</a:t>
             </a:fld>
             <a:endParaRPr lang="en-US"/>
           </a:p>
@@ -3038,7 +3039,7 @@
             <a:fld id="{A80CB818-7379-467D-8E76-EF9D9074A26C}" type="datetime2">
               <a:rPr lang="en-US" smtClean="0"/>
               <a:pPr/>
-              <a:t>Wednesday, May 31, 2017</a:t>
+              <a:t>Tuesday, June 06, 2017</a:t>
             </a:fld>
             <a:endParaRPr lang="en-US" dirty="0"/>
           </a:p>
@@ -3488,7 +3489,7 @@
     </p:spTree>
     <p:extLst>
       <p:ext uri="{BB962C8B-B14F-4D97-AF65-F5344CB8AC3E}">
-        <p14:creationId xmlns="" xmlns:p14="http://schemas.microsoft.com/office/powerpoint/2010/main" val="182139768"/>
+        <p14:creationId xmlns:p14="http://schemas.microsoft.com/office/powerpoint/2010/main" xmlns="" val="182139768"/>
       </p:ext>
     </p:extLst>
   </p:cSld>
@@ -3863,11 +3864,7 @@
             </a:r>
             <a:r>
               <a:rPr lang="en-GB" dirty="0" smtClean="0"/>
-              <a:t>is set to an error </a:t>
-            </a:r>
-            <a:r>
-              <a:rPr lang="en-GB" dirty="0" smtClean="0"/>
-              <a:t>text</a:t>
+              <a:t>is set to an error text</a:t>
             </a:r>
             <a:r>
               <a:rPr lang="en-GB" b="1" dirty="0" smtClean="0"/>
@@ -3875,11 +3872,7 @@
             </a:r>
             <a:r>
               <a:rPr lang="en-GB" dirty="0" smtClean="0"/>
-              <a:t>message </a:t>
-            </a:r>
-            <a:r>
-              <a:rPr lang="en-GB" dirty="0" smtClean="0"/>
-              <a:t>generated by the system (like “</a:t>
+              <a:t>message generated by the system (like “</a:t>
             </a:r>
             <a:r>
               <a:rPr lang="en-GB" i="1" dirty="0" smtClean="0"/>
@@ -4026,11 +4019,7 @@
             </a:r>
             <a:r>
               <a:rPr lang="en-GB" dirty="0" smtClean="0"/>
-              <a:t>, especially useful in one-line </a:t>
-            </a:r>
-            <a:r>
-              <a:rPr lang="en-GB" dirty="0" smtClean="0"/>
-              <a:t>statements</a:t>
+              <a:t>, especially useful in one-line statements</a:t>
             </a:r>
           </a:p>
           <a:p>
@@ -4055,29 +4044,12 @@
           <a:p>
             <a:r>
               <a:rPr lang="en-GB" b="1" dirty="0" smtClean="0"/>
-              <a:t>warn(MESSAGE</a:t>
-            </a:r>
-            <a:r>
-              <a:rPr lang="en-GB" b="1" dirty="0" smtClean="0"/>
-              <a:t>)</a:t>
+              <a:t>warn(MESSAGE)</a:t>
             </a:r>
             <a:r>
               <a:rPr lang="en-GB" dirty="0" smtClean="0"/>
-              <a:t>: </a:t>
-            </a:r>
-            <a:r>
-              <a:rPr lang="en-GB" dirty="0" smtClean="0"/>
-              <a:t> </a:t>
-            </a:r>
-            <a:r>
-              <a:rPr lang="en-GB" dirty="0" smtClean="0"/>
-              <a:t>MESSAGE displayed to </a:t>
-            </a:r>
-            <a:r>
-              <a:rPr lang="en-GB" dirty="0" smtClean="0"/>
-              <a:t>STDERR, program resumes.  </a:t>
-            </a:r>
-            <a:endParaRPr lang="en-GB" dirty="0" smtClean="0"/>
+              <a:t>:  MESSAGE displayed to STDERR, program resumes.  </a:t>
+            </a:r>
           </a:p>
           <a:p>
             <a:endParaRPr lang="en-GB" dirty="0" smtClean="0"/>
@@ -4670,11 +4642,7 @@
           <a:p>
             <a:r>
               <a:rPr lang="en-IN" dirty="0" smtClean="0"/>
-              <a:t>Syntax</a:t>
-            </a:r>
-            <a:r>
-              <a:rPr lang="en-IN" dirty="0" smtClean="0"/>
-              <a:t>: </a:t>
+              <a:t>Syntax: </a:t>
             </a:r>
             <a:r>
               <a:rPr lang="en-IN" dirty="0" err="1" smtClean="0"/>
@@ -4682,11 +4650,7 @@
             </a:r>
             <a:r>
               <a:rPr lang="en-IN" dirty="0" smtClean="0"/>
-              <a:t> DIRHANDLE, "/</a:t>
-            </a:r>
-            <a:r>
-              <a:rPr lang="en-IN" dirty="0" smtClean="0"/>
-              <a:t>path/</a:t>
+              <a:t> DIRHANDLE, "/path/</a:t>
             </a:r>
             <a:r>
               <a:rPr lang="en-IN" dirty="0" err="1" smtClean="0"/>
@@ -4710,11 +4674,7 @@
           <a:p>
             <a:r>
               <a:rPr lang="en-US" dirty="0" smtClean="0"/>
-              <a:t>returns success </a:t>
-            </a:r>
-            <a:r>
-              <a:rPr lang="en-US" dirty="0" smtClean="0"/>
-              <a:t>(1) or failure (0) code</a:t>
+              <a:t>returns success (1) or failure (0) code</a:t>
             </a:r>
             <a:endParaRPr lang="en-US" dirty="0"/>
           </a:p>
@@ -4958,11 +4918,7 @@
             </a:r>
             <a:r>
               <a:rPr lang="en-IN" dirty="0" smtClean="0"/>
-              <a:t> </a:t>
-            </a:r>
-            <a:r>
-              <a:rPr lang="en-IN" dirty="0" smtClean="0"/>
-              <a:t>DIRHANDLE</a:t>
+              <a:t> DIRHANDLE</a:t>
             </a:r>
           </a:p>
           <a:p>
@@ -5493,8 +5449,9 @@
           <a:p>
             <a:r>
               <a:rPr lang="en-IN" dirty="0" smtClean="0"/>
-              <a:t>unlink()</a:t>
-            </a:r>
+              <a:t>unlink(FILE) : deletes the list of FILE(S)</a:t>
+            </a:r>
+            <a:endParaRPr lang="en-IN" dirty="0" smtClean="0"/>
           </a:p>
           <a:p>
             <a:r>
@@ -5503,8 +5460,9 @@
             </a:r>
             <a:r>
               <a:rPr lang="en-IN" dirty="0" smtClean="0"/>
-              <a:t>()</a:t>
-            </a:r>
+              <a:t>(DIR) : Creates a new DIR directory</a:t>
+            </a:r>
+            <a:endParaRPr lang="en-IN" dirty="0" smtClean="0"/>
           </a:p>
           <a:p>
             <a:r>
@@ -5513,15 +5471,9 @@
             </a:r>
             <a:r>
               <a:rPr lang="en-IN" dirty="0" smtClean="0"/>
-              <a:t>()</a:t>
-            </a:r>
-          </a:p>
-          <a:p>
-            <a:r>
-              <a:rPr lang="en-IN" dirty="0" smtClean="0"/>
-              <a:t>rename()</a:t>
-            </a:r>
-            <a:endParaRPr lang="en-US" dirty="0"/>
+              <a:t>(DIR)	: Change directory to DIR</a:t>
+            </a:r>
+            <a:endParaRPr lang="en-IN" dirty="0" smtClean="0"/>
           </a:p>
         </p:txBody>
       </p:sp>
@@ -5534,6 +5486,91 @@
 </file>
 
 <file path=ppt/slides/slide23.xml><?xml version="1.0" encoding="utf-8"?>
+<p:sld xmlns:a="http://schemas.openxmlformats.org/drawingml/2006/main" xmlns:r="http://schemas.openxmlformats.org/officeDocument/2006/relationships" xmlns:p="http://schemas.openxmlformats.org/presentationml/2006/main">
+  <p:cSld>
+    <p:spTree>
+      <p:nvGrpSpPr>
+        <p:cNvPr id="1" name=""/>
+        <p:cNvGrpSpPr/>
+        <p:nvPr/>
+      </p:nvGrpSpPr>
+      <p:grpSpPr>
+        <a:xfrm>
+          <a:off x="0" y="0"/>
+          <a:ext cx="0" cy="0"/>
+          <a:chOff x="0" y="0"/>
+          <a:chExt cx="0" cy="0"/>
+        </a:xfrm>
+      </p:grpSpPr>
+      <p:sp>
+        <p:nvSpPr>
+          <p:cNvPr id="2" name="Title 1"/>
+          <p:cNvSpPr>
+            <a:spLocks noGrp="1"/>
+          </p:cNvSpPr>
+          <p:nvPr>
+            <p:ph type="title"/>
+          </p:nvPr>
+        </p:nvSpPr>
+        <p:spPr/>
+        <p:txBody>
+          <a:bodyPr/>
+          <a:lstStyle/>
+          <a:p>
+            <a:r>
+              <a:rPr lang="pt-BR" dirty="0" smtClean="0"/>
+              <a:t>Exercise</a:t>
+            </a:r>
+            <a:endParaRPr lang="en-US" dirty="0"/>
+          </a:p>
+        </p:txBody>
+      </p:sp>
+      <p:sp>
+        <p:nvSpPr>
+          <p:cNvPr id="3" name="Content Placeholder 2"/>
+          <p:cNvSpPr>
+            <a:spLocks noGrp="1"/>
+          </p:cNvSpPr>
+          <p:nvPr>
+            <p:ph idx="1"/>
+          </p:nvPr>
+        </p:nvSpPr>
+        <p:spPr/>
+        <p:txBody>
+          <a:bodyPr/>
+          <a:lstStyle/>
+          <a:p>
+            <a:r>
+              <a:rPr lang="pt-BR" dirty="0" smtClean="0"/>
+              <a:t>Open a FASTA file and copy its content to another file. </a:t>
+            </a:r>
+          </a:p>
+          <a:p>
+            <a:r>
+              <a:rPr lang="pt-BR" dirty="0" smtClean="0"/>
+              <a:t>Open both of these files and concatenate the content of both files into a third file.</a:t>
+            </a:r>
+          </a:p>
+          <a:p>
+            <a:r>
+              <a:rPr lang="pt-BR" dirty="0" smtClean="0"/>
+              <a:t>Open FASTA file and store it as a hash. Ask user to enter an ID and script will output the corresponding sequence.  </a:t>
+            </a:r>
+          </a:p>
+          <a:p>
+            <a:endParaRPr lang="en-US" dirty="0"/>
+          </a:p>
+        </p:txBody>
+      </p:sp>
+    </p:spTree>
+  </p:cSld>
+  <p:clrMapOvr>
+    <a:masterClrMapping/>
+  </p:clrMapOvr>
+</p:sld>
+</file>
+
+<file path=ppt/slides/slide24.xml><?xml version="1.0" encoding="utf-8"?>
 <p:sld xmlns:a="http://schemas.openxmlformats.org/drawingml/2006/main" xmlns:r="http://schemas.openxmlformats.org/officeDocument/2006/relationships" xmlns:p="http://schemas.openxmlformats.org/presentationml/2006/main">
   <p:cSld>
     <p:spTree>
@@ -5758,11 +5795,11 @@
           <a:p>
             <a:r>
               <a:rPr lang="en-IN" dirty="0" smtClean="0"/>
-              <a:t> </a:t>
+              <a:t>Files </a:t>
             </a:r>
             <a:r>
               <a:rPr lang="en-IN" dirty="0" smtClean="0"/>
-              <a:t>Files and hardware can be represented as </a:t>
+              <a:t>and hardware can be represented as </a:t>
             </a:r>
             <a:r>
               <a:rPr lang="en-IN" dirty="0" err="1" smtClean="0"/>
@@ -5898,15 +5935,7 @@
           <a:p>
             <a:r>
               <a:rPr lang="en-GB" b="1" dirty="0" smtClean="0"/>
-              <a:t>STDIN </a:t>
-            </a:r>
-            <a:r>
-              <a:rPr lang="en-GB" b="1" dirty="0" smtClean="0"/>
-              <a:t>or standard </a:t>
-            </a:r>
-            <a:r>
-              <a:rPr lang="en-GB" b="1" dirty="0" smtClean="0"/>
-              <a:t>input</a:t>
+              <a:t>STDIN or standard input</a:t>
             </a:r>
             <a:r>
               <a:rPr lang="en-GB" dirty="0" smtClean="0"/>
@@ -5918,80 +5947,32 @@
             </a:r>
             <a:r>
               <a:rPr lang="en-GB" dirty="0" smtClean="0"/>
-              <a:t> from </a:t>
+              <a:t> from which keyboard inputs can be read.</a:t>
+            </a:r>
+          </a:p>
+          <a:p>
+            <a:r>
+              <a:rPr lang="en-GB" b="1" dirty="0" smtClean="0"/>
+              <a:t>STDOUT, or standard output </a:t>
             </a:r>
             <a:r>
               <a:rPr lang="en-GB" dirty="0" smtClean="0"/>
-              <a:t>which keyboard </a:t>
+              <a:t>: send the output </a:t>
+            </a:r>
+            <a:r>
+              <a:rPr lang="en-US" dirty="0" smtClean="0"/>
+              <a:t>of your program (on screen by default)</a:t>
+            </a:r>
+            <a:endParaRPr lang="en-IN" dirty="0" smtClean="0"/>
+          </a:p>
+          <a:p>
+            <a:r>
+              <a:rPr lang="en-GB" b="1" dirty="0" smtClean="0"/>
+              <a:t>STDERR, or standard error</a:t>
             </a:r>
             <a:r>
               <a:rPr lang="en-GB" dirty="0" smtClean="0"/>
-              <a:t>inputs </a:t>
-            </a:r>
-            <a:r>
-              <a:rPr lang="en-GB" dirty="0" smtClean="0"/>
-              <a:t>can be read</a:t>
-            </a:r>
-            <a:r>
-              <a:rPr lang="en-GB" dirty="0" smtClean="0"/>
-              <a:t>.</a:t>
-            </a:r>
-          </a:p>
-          <a:p>
-            <a:r>
-              <a:rPr lang="en-GB" b="1" dirty="0" smtClean="0"/>
-              <a:t>STDOUT, or </a:t>
-            </a:r>
-            <a:r>
-              <a:rPr lang="en-GB" b="1" dirty="0" smtClean="0"/>
-              <a:t>standard output </a:t>
-            </a:r>
-            <a:r>
-              <a:rPr lang="en-GB" dirty="0" smtClean="0"/>
-              <a:t>: send </a:t>
-            </a:r>
-            <a:r>
-              <a:rPr lang="en-GB" dirty="0" smtClean="0"/>
-              <a:t>the </a:t>
-            </a:r>
-            <a:r>
-              <a:rPr lang="en-GB" dirty="0" smtClean="0"/>
-              <a:t>output </a:t>
-            </a:r>
-            <a:r>
-              <a:rPr lang="en-US" dirty="0" smtClean="0"/>
-              <a:t>of </a:t>
-            </a:r>
-            <a:r>
-              <a:rPr lang="en-US" dirty="0" smtClean="0"/>
-              <a:t>your </a:t>
-            </a:r>
-            <a:r>
-              <a:rPr lang="en-US" dirty="0" smtClean="0"/>
-              <a:t>program (on screen by default)</a:t>
-            </a:r>
-            <a:endParaRPr lang="en-IN" dirty="0" smtClean="0"/>
-          </a:p>
-          <a:p>
-            <a:r>
-              <a:rPr lang="en-GB" b="1" dirty="0" smtClean="0"/>
-              <a:t>STDERR, or standard </a:t>
-            </a:r>
-            <a:r>
-              <a:rPr lang="en-GB" b="1" dirty="0" smtClean="0"/>
-              <a:t>error</a:t>
-            </a:r>
-            <a:r>
-              <a:rPr lang="en-GB" dirty="0" smtClean="0"/>
-              <a:t>: used </a:t>
-            </a:r>
-            <a:r>
-              <a:rPr lang="en-GB" dirty="0" smtClean="0"/>
-              <a:t>for outputting warning or error </a:t>
-            </a:r>
-            <a:r>
-              <a:rPr lang="en-GB" dirty="0" smtClean="0"/>
-              <a:t>messages</a:t>
+              <a:t>: used for outputting warning or error messages</a:t>
             </a:r>
             <a:endParaRPr lang="en-IN" dirty="0" smtClean="0"/>
           </a:p>
@@ -6136,11 +6117,7 @@
             </a:r>
             <a:r>
               <a:rPr lang="en-GB" dirty="0" smtClean="0"/>
-              <a:t> </a:t>
-            </a:r>
-            <a:r>
-              <a:rPr lang="en-GB" dirty="0" smtClean="0"/>
-              <a:t>are in </a:t>
+              <a:t> are in </a:t>
             </a:r>
             <a:r>
               <a:rPr lang="en-GB" b="1" dirty="0" smtClean="0"/>
@@ -6148,27 +6125,7 @@
             </a:r>
             <a:r>
               <a:rPr lang="en-GB" dirty="0" smtClean="0"/>
-              <a:t>to </a:t>
-            </a:r>
-            <a:r>
-              <a:rPr lang="en-GB" dirty="0" smtClean="0"/>
-              <a:t>make them </a:t>
-            </a:r>
-            <a:r>
-              <a:rPr lang="en-GB" dirty="0" smtClean="0"/>
-              <a:t>visually </a:t>
-            </a:r>
-            <a:r>
-              <a:rPr lang="en-GB" dirty="0" smtClean="0"/>
-              <a:t>stand out </a:t>
-            </a:r>
-            <a:r>
-              <a:rPr lang="en-GB" dirty="0" smtClean="0"/>
-              <a:t>from </a:t>
-            </a:r>
-            <a:r>
-              <a:rPr lang="en-GB" dirty="0" smtClean="0"/>
-              <a:t>names</a:t>
+              <a:t>to make them visually stand out from names</a:t>
             </a:r>
           </a:p>
           <a:p>
@@ -6279,15 +6236,7 @@
           <a:p>
             <a:r>
               <a:rPr lang="en-GB" dirty="0" smtClean="0"/>
-              <a:t>At the end, when you have </a:t>
-            </a:r>
-            <a:r>
-              <a:rPr lang="en-GB" dirty="0" smtClean="0"/>
-              <a:t>finished </a:t>
-            </a:r>
-            <a:r>
-              <a:rPr lang="en-GB" dirty="0" smtClean="0"/>
-              <a:t>working with a </a:t>
+              <a:t>At the end, when you have finished working with a </a:t>
             </a:r>
             <a:r>
               <a:rPr lang="en-GB" dirty="0" err="1" smtClean="0"/>
@@ -6295,11 +6244,7 @@
             </a:r>
             <a:r>
               <a:rPr lang="en-GB" dirty="0" smtClean="0"/>
-              <a:t>, you should close</a:t>
-            </a:r>
-            <a:r>
-              <a:rPr lang="en-GB" dirty="0" smtClean="0"/>
-              <a:t>()</a:t>
+              <a:t>, you should close()</a:t>
             </a:r>
           </a:p>
           <a:p>
@@ -6311,41 +6256,21 @@
           <a:p>
             <a:r>
               <a:rPr lang="en-GB" dirty="0" smtClean="0"/>
-              <a:t>The file will be closed automatically when program exits, or </a:t>
-            </a:r>
+              <a:t>The file will be closed automatically when program exits, or when </a:t>
+            </a:r>
+            <a:r>
+              <a:rPr lang="en-US" dirty="0" smtClean="0"/>
+              <a:t>the handle is reused</a:t>
+            </a:r>
+          </a:p>
+          <a:p>
             <a:r>
               <a:rPr lang="en-GB" dirty="0" smtClean="0"/>
-              <a:t>when </a:t>
+              <a:t>if the program crashes, the data </a:t>
             </a:r>
             <a:r>
               <a:rPr lang="en-US" dirty="0" smtClean="0"/>
-              <a:t>the </a:t>
-            </a:r>
-            <a:r>
-              <a:rPr lang="en-US" dirty="0" smtClean="0"/>
-              <a:t>handle is </a:t>
-            </a:r>
-            <a:r>
-              <a:rPr lang="en-US" dirty="0" smtClean="0"/>
-              <a:t>reused</a:t>
-            </a:r>
-          </a:p>
-          <a:p>
-            <a:r>
-              <a:rPr lang="en-GB" dirty="0" smtClean="0"/>
-              <a:t>if the program crashes, the </a:t>
-            </a:r>
-            <a:r>
-              <a:rPr lang="en-GB" dirty="0" smtClean="0"/>
-              <a:t>data </a:t>
-            </a:r>
-            <a:r>
-              <a:rPr lang="en-US" dirty="0" smtClean="0"/>
-              <a:t>may </a:t>
-            </a:r>
-            <a:r>
-              <a:rPr lang="en-US" dirty="0" smtClean="0"/>
-              <a:t>be lost</a:t>
+              <a:t>may be lost</a:t>
             </a:r>
             <a:endParaRPr lang="en-GB" dirty="0" smtClean="0"/>
           </a:p>
@@ -6455,15 +6380,7 @@
           <a:p>
             <a:r>
               <a:rPr lang="en-IN" dirty="0" smtClean="0"/>
-              <a:t>Syntax: </a:t>
-            </a:r>
-            <a:r>
-              <a:rPr lang="en-IN" dirty="0" smtClean="0"/>
-              <a:t>open FILEHANDLE</a:t>
-            </a:r>
-            <a:r>
-              <a:rPr lang="en-IN" dirty="0" smtClean="0"/>
-              <a:t>, “</a:t>
+              <a:t>Syntax: open FILEHANDLE, “</a:t>
             </a:r>
             <a:r>
               <a:rPr lang="en-IN" dirty="0" smtClean="0">
@@ -6475,15 +6392,7 @@
             </a:r>
             <a:r>
               <a:rPr lang="en-IN" dirty="0" smtClean="0"/>
-              <a:t>/</a:t>
-            </a:r>
-            <a:r>
-              <a:rPr lang="en-IN" dirty="0" smtClean="0"/>
-              <a:t>path/to/file”</a:t>
-            </a:r>
-            <a:r>
-              <a:rPr lang="en-IN" dirty="0" smtClean="0"/>
-              <a:t> </a:t>
+              <a:t>/path/to/file” </a:t>
             </a:r>
             <a:endParaRPr lang="en-US" dirty="0"/>
           </a:p>
